--- a/Javascript/JS Tutorial.pptx
+++ b/Javascript/JS Tutorial.pptx
@@ -8,9 +8,20 @@
     <p:sldId id="256" r:id="rId2"/>
     <p:sldId id="261" r:id="rId3"/>
     <p:sldId id="257" r:id="rId4"/>
-    <p:sldId id="258" r:id="rId5"/>
-    <p:sldId id="259" r:id="rId6"/>
-    <p:sldId id="260" r:id="rId7"/>
+    <p:sldId id="267" r:id="rId5"/>
+    <p:sldId id="273" r:id="rId6"/>
+    <p:sldId id="270" r:id="rId7"/>
+    <p:sldId id="268" r:id="rId8"/>
+    <p:sldId id="269" r:id="rId9"/>
+    <p:sldId id="274" r:id="rId10"/>
+    <p:sldId id="260" r:id="rId11"/>
+    <p:sldId id="258" r:id="rId12"/>
+    <p:sldId id="265" r:id="rId13"/>
+    <p:sldId id="266" r:id="rId14"/>
+    <p:sldId id="263" r:id="rId15"/>
+    <p:sldId id="262" r:id="rId16"/>
+    <p:sldId id="264" r:id="rId17"/>
+    <p:sldId id="275" r:id="rId18"/>
   </p:sldIdLst>
   <p:sldSz cx="12192000" cy="6858000"/>
   <p:notesSz cx="6858000" cy="9144000"/>
@@ -110,10 +121,6 @@
     </a:lvl9pPr>
   </p:defaultTextStyle>
 </p:presentation>
-</file>
-
-<file path=ppt/revisionInfo.xml><?xml version="1.0" encoding="utf-8"?>
-<p1510:revInfo xmlns:a="http://schemas.openxmlformats.org/drawingml/2006/main" xmlns:r="http://schemas.openxmlformats.org/officeDocument/2006/relationships" xmlns:p1510="http://schemas.microsoft.com/office/powerpoint/2015/10/main"/>
 </file>
 
 <file path=ppt/slideLayouts/slideLayout1.xml><?xml version="1.0" encoding="utf-8"?>
@@ -3392,7 +3399,7 @@
               <a:rPr lang="en-US" dirty="0">
                 <a:latin typeface="Comfortaa" panose="020F0603070000060003" pitchFamily="34" charset="0"/>
               </a:rPr>
-              <a:t>Ali Turfah</a:t>
+              <a:t>Fall 2017</a:t>
             </a:r>
           </a:p>
         </p:txBody>
@@ -3401,6 +3408,1666 @@
     <p:extLst>
       <p:ext uri="{BB962C8B-B14F-4D97-AF65-F5344CB8AC3E}">
         <p14:creationId xmlns:p14="http://schemas.microsoft.com/office/powerpoint/2010/main" val="2461397696"/>
+      </p:ext>
+    </p:extLst>
+  </p:cSld>
+  <p:clrMapOvr>
+    <a:masterClrMapping/>
+  </p:clrMapOvr>
+</p:sld>
+</file>
+
+<file path=ppt/slides/slide10.xml><?xml version="1.0" encoding="utf-8"?>
+<p:sld xmlns:a="http://schemas.openxmlformats.org/drawingml/2006/main" xmlns:r="http://schemas.openxmlformats.org/officeDocument/2006/relationships" xmlns:p="http://schemas.openxmlformats.org/presentationml/2006/main">
+  <p:cSld>
+    <p:spTree>
+      <p:nvGrpSpPr>
+        <p:cNvPr id="1" name=""/>
+        <p:cNvGrpSpPr/>
+        <p:nvPr/>
+      </p:nvGrpSpPr>
+      <p:grpSpPr>
+        <a:xfrm>
+          <a:off x="0" y="0"/>
+          <a:ext cx="0" cy="0"/>
+          <a:chOff x="0" y="0"/>
+          <a:chExt cx="0" cy="0"/>
+        </a:xfrm>
+      </p:grpSpPr>
+      <p:sp>
+        <p:nvSpPr>
+          <p:cNvPr id="2" name="Title 1">
+            <a:extLst>
+              <a:ext uri="{FF2B5EF4-FFF2-40B4-BE49-F238E27FC236}">
+                <a16:creationId xmlns:a16="http://schemas.microsoft.com/office/drawing/2014/main" id="{717CD003-DA8B-4690-8893-C51507577286}"/>
+              </a:ext>
+            </a:extLst>
+          </p:cNvPr>
+          <p:cNvSpPr>
+            <a:spLocks noGrp="1"/>
+          </p:cNvSpPr>
+          <p:nvPr>
+            <p:ph type="title"/>
+          </p:nvPr>
+        </p:nvSpPr>
+        <p:spPr/>
+        <p:txBody>
+          <a:bodyPr/>
+          <a:lstStyle/>
+          <a:p>
+            <a:r>
+              <a:rPr lang="en-US" dirty="0">
+                <a:latin typeface="Comfortaa" panose="020F0603070000060003" pitchFamily="34" charset="0"/>
+              </a:rPr>
+              <a:t>Exercise 0 Overview</a:t>
+            </a:r>
+          </a:p>
+        </p:txBody>
+      </p:sp>
+      <p:sp>
+        <p:nvSpPr>
+          <p:cNvPr id="3" name="Content Placeholder 2">
+            <a:extLst>
+              <a:ext uri="{FF2B5EF4-FFF2-40B4-BE49-F238E27FC236}">
+                <a16:creationId xmlns:a16="http://schemas.microsoft.com/office/drawing/2014/main" id="{72858A7F-ACAE-40B9-963A-FF8D9B86556C}"/>
+              </a:ext>
+            </a:extLst>
+          </p:cNvPr>
+          <p:cNvSpPr>
+            <a:spLocks noGrp="1"/>
+          </p:cNvSpPr>
+          <p:nvPr>
+            <p:ph idx="1"/>
+          </p:nvPr>
+        </p:nvSpPr>
+        <p:spPr>
+          <a:xfrm>
+            <a:off x="5789488" y="1825625"/>
+            <a:ext cx="5564312" cy="4351338"/>
+          </a:xfrm>
+        </p:spPr>
+        <p:txBody>
+          <a:bodyPr/>
+          <a:lstStyle/>
+          <a:p>
+            <a:r>
+              <a:rPr lang="en-US" dirty="0">
+                <a:latin typeface="Comfortaa" panose="020F0603070000060003" pitchFamily="34" charset="0"/>
+              </a:rPr>
+              <a:t>Enter name and click submit</a:t>
+            </a:r>
+          </a:p>
+          <a:p>
+            <a:r>
+              <a:rPr lang="en-US" dirty="0">
+                <a:latin typeface="Comfortaa" panose="020F0603070000060003" pitchFamily="34" charset="0"/>
+              </a:rPr>
+              <a:t>Text “Hello &lt;name&gt;!” appears</a:t>
+            </a:r>
+          </a:p>
+        </p:txBody>
+      </p:sp>
+      <p:pic>
+        <p:nvPicPr>
+          <p:cNvPr id="4" name="Picture 3">
+            <a:extLst>
+              <a:ext uri="{FF2B5EF4-FFF2-40B4-BE49-F238E27FC236}">
+                <a16:creationId xmlns:a16="http://schemas.microsoft.com/office/drawing/2014/main" id="{E14BF1E4-07FF-4B36-A412-439FBFC2194B}"/>
+              </a:ext>
+            </a:extLst>
+          </p:cNvPr>
+          <p:cNvPicPr>
+            <a:picLocks noChangeAspect="1"/>
+          </p:cNvPicPr>
+          <p:nvPr/>
+        </p:nvPicPr>
+        <p:blipFill>
+          <a:blip r:embed="rId2"/>
+          <a:stretch>
+            <a:fillRect/>
+          </a:stretch>
+        </p:blipFill>
+        <p:spPr>
+          <a:xfrm>
+            <a:off x="1107611" y="1952089"/>
+            <a:ext cx="3371922" cy="1780866"/>
+          </a:xfrm>
+          <a:prstGeom prst="rect">
+            <a:avLst/>
+          </a:prstGeom>
+          <a:ln>
+            <a:solidFill>
+              <a:schemeClr val="tx1"/>
+            </a:solidFill>
+          </a:ln>
+        </p:spPr>
+      </p:pic>
+      <p:pic>
+        <p:nvPicPr>
+          <p:cNvPr id="5" name="Picture 4">
+            <a:extLst>
+              <a:ext uri="{FF2B5EF4-FFF2-40B4-BE49-F238E27FC236}">
+                <a16:creationId xmlns:a16="http://schemas.microsoft.com/office/drawing/2014/main" id="{37912CED-3278-4C32-B09C-B30B4634DD85}"/>
+              </a:ext>
+            </a:extLst>
+          </p:cNvPr>
+          <p:cNvPicPr>
+            <a:picLocks noChangeAspect="1"/>
+          </p:cNvPicPr>
+          <p:nvPr/>
+        </p:nvPicPr>
+        <p:blipFill>
+          <a:blip r:embed="rId3"/>
+          <a:stretch>
+            <a:fillRect/>
+          </a:stretch>
+        </p:blipFill>
+        <p:spPr>
+          <a:xfrm>
+            <a:off x="1107611" y="4148413"/>
+            <a:ext cx="3371922" cy="1807395"/>
+          </a:xfrm>
+          <a:prstGeom prst="rect">
+            <a:avLst/>
+          </a:prstGeom>
+          <a:ln>
+            <a:solidFill>
+              <a:schemeClr val="tx1"/>
+            </a:solidFill>
+          </a:ln>
+        </p:spPr>
+      </p:pic>
+    </p:spTree>
+    <p:extLst>
+      <p:ext uri="{BB962C8B-B14F-4D97-AF65-F5344CB8AC3E}">
+        <p14:creationId xmlns:p14="http://schemas.microsoft.com/office/powerpoint/2010/main" val="3556330158"/>
+      </p:ext>
+    </p:extLst>
+  </p:cSld>
+  <p:clrMapOvr>
+    <a:masterClrMapping/>
+  </p:clrMapOvr>
+</p:sld>
+</file>
+
+<file path=ppt/slides/slide11.xml><?xml version="1.0" encoding="utf-8"?>
+<p:sld xmlns:a="http://schemas.openxmlformats.org/drawingml/2006/main" xmlns:r="http://schemas.openxmlformats.org/officeDocument/2006/relationships" xmlns:p="http://schemas.openxmlformats.org/presentationml/2006/main">
+  <p:cSld>
+    <p:spTree>
+      <p:nvGrpSpPr>
+        <p:cNvPr id="1" name=""/>
+        <p:cNvGrpSpPr/>
+        <p:nvPr/>
+      </p:nvGrpSpPr>
+      <p:grpSpPr>
+        <a:xfrm>
+          <a:off x="0" y="0"/>
+          <a:ext cx="0" cy="0"/>
+          <a:chOff x="0" y="0"/>
+          <a:chExt cx="0" cy="0"/>
+        </a:xfrm>
+      </p:grpSpPr>
+      <p:sp>
+        <p:nvSpPr>
+          <p:cNvPr id="2" name="Title 1">
+            <a:extLst>
+              <a:ext uri="{FF2B5EF4-FFF2-40B4-BE49-F238E27FC236}">
+                <a16:creationId xmlns:a16="http://schemas.microsoft.com/office/drawing/2014/main" id="{717CD003-DA8B-4690-8893-C51507577286}"/>
+              </a:ext>
+            </a:extLst>
+          </p:cNvPr>
+          <p:cNvSpPr>
+            <a:spLocks noGrp="1"/>
+          </p:cNvSpPr>
+          <p:nvPr>
+            <p:ph type="title"/>
+          </p:nvPr>
+        </p:nvSpPr>
+        <p:spPr/>
+        <p:txBody>
+          <a:bodyPr/>
+          <a:lstStyle/>
+          <a:p>
+            <a:r>
+              <a:rPr lang="en-US" dirty="0">
+                <a:latin typeface="Comfortaa" panose="020F0603070000060003" pitchFamily="34" charset="0"/>
+              </a:rPr>
+              <a:t>Exercise 0 Code</a:t>
+            </a:r>
+          </a:p>
+        </p:txBody>
+      </p:sp>
+      <p:sp>
+        <p:nvSpPr>
+          <p:cNvPr id="3" name="Content Placeholder 2">
+            <a:extLst>
+              <a:ext uri="{FF2B5EF4-FFF2-40B4-BE49-F238E27FC236}">
+                <a16:creationId xmlns:a16="http://schemas.microsoft.com/office/drawing/2014/main" id="{72858A7F-ACAE-40B9-963A-FF8D9B86556C}"/>
+              </a:ext>
+            </a:extLst>
+          </p:cNvPr>
+          <p:cNvSpPr>
+            <a:spLocks noGrp="1"/>
+          </p:cNvSpPr>
+          <p:nvPr>
+            <p:ph idx="1"/>
+          </p:nvPr>
+        </p:nvSpPr>
+        <p:spPr>
+          <a:xfrm>
+            <a:off x="5625101" y="1690688"/>
+            <a:ext cx="5667054" cy="4351338"/>
+          </a:xfrm>
+        </p:spPr>
+        <p:txBody>
+          <a:bodyPr>
+            <a:noAutofit/>
+          </a:bodyPr>
+          <a:lstStyle/>
+          <a:p>
+            <a:pPr marL="0" indent="0">
+              <a:buNone/>
+            </a:pPr>
+            <a:r>
+              <a:rPr lang="en-US" sz="1400" dirty="0">
+                <a:solidFill>
+                  <a:srgbClr val="FF0000"/>
+                </a:solidFill>
+                <a:latin typeface="Arial" panose="020B0604020202020204" pitchFamily="34" charset="0"/>
+                <a:cs typeface="Arial" panose="020B0604020202020204" pitchFamily="34" charset="0"/>
+              </a:rPr>
+              <a:t>&lt;h1&gt;Exercise 0: </a:t>
+            </a:r>
+            <a:r>
+              <a:rPr lang="en-US" sz="1400" dirty="0" err="1">
+                <a:solidFill>
+                  <a:srgbClr val="FF0000"/>
+                </a:solidFill>
+                <a:latin typeface="Arial" panose="020B0604020202020204" pitchFamily="34" charset="0"/>
+                <a:cs typeface="Arial" panose="020B0604020202020204" pitchFamily="34" charset="0"/>
+              </a:rPr>
+              <a:t>GreetBot</a:t>
+            </a:r>
+            <a:r>
+              <a:rPr lang="en-US" sz="1400" dirty="0">
+                <a:solidFill>
+                  <a:srgbClr val="FF0000"/>
+                </a:solidFill>
+                <a:latin typeface="Arial" panose="020B0604020202020204" pitchFamily="34" charset="0"/>
+                <a:cs typeface="Arial" panose="020B0604020202020204" pitchFamily="34" charset="0"/>
+              </a:rPr>
+              <a:t>&lt;/h1&gt;</a:t>
+            </a:r>
+          </a:p>
+          <a:p>
+            <a:pPr marL="0" indent="0">
+              <a:buNone/>
+            </a:pPr>
+            <a:r>
+              <a:rPr lang="en-US" sz="1400" dirty="0">
+                <a:solidFill>
+                  <a:schemeClr val="accent1"/>
+                </a:solidFill>
+                <a:latin typeface="Arial" panose="020B0604020202020204" pitchFamily="34" charset="0"/>
+                <a:cs typeface="Arial" panose="020B0604020202020204" pitchFamily="34" charset="0"/>
+              </a:rPr>
+              <a:t>&lt;p&gt;Please input your name below&lt;/p&gt;</a:t>
+            </a:r>
+          </a:p>
+          <a:p>
+            <a:pPr marL="0" indent="0">
+              <a:buNone/>
+            </a:pPr>
+            <a:r>
+              <a:rPr lang="en-US" sz="1400" dirty="0">
+                <a:solidFill>
+                  <a:srgbClr val="00B050"/>
+                </a:solidFill>
+                <a:latin typeface="Arial" panose="020B0604020202020204" pitchFamily="34" charset="0"/>
+                <a:cs typeface="Arial" panose="020B0604020202020204" pitchFamily="34" charset="0"/>
+              </a:rPr>
+              <a:t>&lt;input id="ex0_in" type="text" /&gt;</a:t>
+            </a:r>
+          </a:p>
+          <a:p>
+            <a:pPr marL="0" indent="0">
+              <a:buNone/>
+            </a:pPr>
+            <a:r>
+              <a:rPr lang="en-US" sz="1400" dirty="0">
+                <a:solidFill>
+                  <a:srgbClr val="00B050"/>
+                </a:solidFill>
+                <a:latin typeface="Arial" panose="020B0604020202020204" pitchFamily="34" charset="0"/>
+                <a:cs typeface="Arial" panose="020B0604020202020204" pitchFamily="34" charset="0"/>
+              </a:rPr>
+              <a:t>&lt;button </a:t>
+            </a:r>
+            <a:r>
+              <a:rPr lang="en-US" sz="1400" dirty="0" err="1">
+                <a:solidFill>
+                  <a:srgbClr val="00B050"/>
+                </a:solidFill>
+                <a:latin typeface="Arial" panose="020B0604020202020204" pitchFamily="34" charset="0"/>
+                <a:cs typeface="Arial" panose="020B0604020202020204" pitchFamily="34" charset="0"/>
+              </a:rPr>
+              <a:t>onclick</a:t>
+            </a:r>
+            <a:r>
+              <a:rPr lang="en-US" sz="1400" dirty="0">
+                <a:solidFill>
+                  <a:srgbClr val="00B050"/>
+                </a:solidFill>
+                <a:latin typeface="Arial" panose="020B0604020202020204" pitchFamily="34" charset="0"/>
+                <a:cs typeface="Arial" panose="020B0604020202020204" pitchFamily="34" charset="0"/>
+              </a:rPr>
+              <a:t>="ex0();"&gt;Submit&lt;/button&gt;&lt;</a:t>
+            </a:r>
+            <a:r>
+              <a:rPr lang="en-US" sz="1400" dirty="0" err="1">
+                <a:solidFill>
+                  <a:srgbClr val="00B050"/>
+                </a:solidFill>
+                <a:latin typeface="Arial" panose="020B0604020202020204" pitchFamily="34" charset="0"/>
+                <a:cs typeface="Arial" panose="020B0604020202020204" pitchFamily="34" charset="0"/>
+              </a:rPr>
+              <a:t>br</a:t>
+            </a:r>
+            <a:r>
+              <a:rPr lang="en-US" sz="1400" dirty="0">
+                <a:solidFill>
+                  <a:srgbClr val="00B050"/>
+                </a:solidFill>
+                <a:latin typeface="Arial" panose="020B0604020202020204" pitchFamily="34" charset="0"/>
+                <a:cs typeface="Arial" panose="020B0604020202020204" pitchFamily="34" charset="0"/>
+              </a:rPr>
+              <a:t> /&gt;</a:t>
+            </a:r>
+          </a:p>
+          <a:p>
+            <a:pPr marL="0" indent="0">
+              <a:buNone/>
+            </a:pPr>
+            <a:r>
+              <a:rPr lang="en-US" sz="1400" dirty="0">
+                <a:solidFill>
+                  <a:srgbClr val="7030A0"/>
+                </a:solidFill>
+                <a:latin typeface="Arial" panose="020B0604020202020204" pitchFamily="34" charset="0"/>
+                <a:cs typeface="Arial" panose="020B0604020202020204" pitchFamily="34" charset="0"/>
+              </a:rPr>
+              <a:t>&lt;p&gt;&lt;span id="ex0_out"&gt;[Greeting goes here]&lt;/span&gt;&lt;/p&gt;</a:t>
+            </a:r>
+          </a:p>
+          <a:p>
+            <a:pPr marL="0" indent="0">
+              <a:buNone/>
+            </a:pPr>
+            <a:r>
+              <a:rPr lang="en-US" sz="1400" dirty="0">
+                <a:latin typeface="Arial" panose="020B0604020202020204" pitchFamily="34" charset="0"/>
+                <a:cs typeface="Arial" panose="020B0604020202020204" pitchFamily="34" charset="0"/>
+              </a:rPr>
+              <a:t>&lt;script&gt;</a:t>
+            </a:r>
+          </a:p>
+          <a:p>
+            <a:pPr marL="457200" lvl="1" indent="0">
+              <a:buNone/>
+            </a:pPr>
+            <a:r>
+              <a:rPr lang="en-US" sz="1400" dirty="0">
+                <a:latin typeface="Arial" panose="020B0604020202020204" pitchFamily="34" charset="0"/>
+                <a:cs typeface="Arial" panose="020B0604020202020204" pitchFamily="34" charset="0"/>
+              </a:rPr>
+              <a:t>function ex0() {</a:t>
+            </a:r>
+          </a:p>
+          <a:p>
+            <a:pPr marL="914400" lvl="2" indent="0">
+              <a:buNone/>
+            </a:pPr>
+            <a:r>
+              <a:rPr lang="en-US" sz="1400" dirty="0">
+                <a:latin typeface="Arial" panose="020B0604020202020204" pitchFamily="34" charset="0"/>
+                <a:cs typeface="Arial" panose="020B0604020202020204" pitchFamily="34" charset="0"/>
+              </a:rPr>
+              <a:t>name = </a:t>
+            </a:r>
+            <a:r>
+              <a:rPr lang="en-US" sz="1400" dirty="0" err="1">
+                <a:latin typeface="Arial" panose="020B0604020202020204" pitchFamily="34" charset="0"/>
+                <a:cs typeface="Arial" panose="020B0604020202020204" pitchFamily="34" charset="0"/>
+              </a:rPr>
+              <a:t>document.getElementById</a:t>
+            </a:r>
+            <a:r>
+              <a:rPr lang="en-US" sz="1400" dirty="0">
+                <a:latin typeface="Arial" panose="020B0604020202020204" pitchFamily="34" charset="0"/>
+                <a:cs typeface="Arial" panose="020B0604020202020204" pitchFamily="34" charset="0"/>
+              </a:rPr>
+              <a:t>("ex0_in").value;</a:t>
+            </a:r>
+          </a:p>
+          <a:p>
+            <a:pPr marL="914400" lvl="2" indent="0">
+              <a:buNone/>
+            </a:pPr>
+            <a:r>
+              <a:rPr lang="en-US" sz="1400" dirty="0">
+                <a:latin typeface="Arial" panose="020B0604020202020204" pitchFamily="34" charset="0"/>
+                <a:cs typeface="Arial" panose="020B0604020202020204" pitchFamily="34" charset="0"/>
+              </a:rPr>
+              <a:t>if (</a:t>
+            </a:r>
+            <a:r>
+              <a:rPr lang="en-US" sz="1400" dirty="0" err="1">
+                <a:latin typeface="Arial" panose="020B0604020202020204" pitchFamily="34" charset="0"/>
+                <a:cs typeface="Arial" panose="020B0604020202020204" pitchFamily="34" charset="0"/>
+              </a:rPr>
+              <a:t>name.trim</a:t>
+            </a:r>
+            <a:r>
+              <a:rPr lang="en-US" sz="1400" dirty="0">
+                <a:latin typeface="Arial" panose="020B0604020202020204" pitchFamily="34" charset="0"/>
+                <a:cs typeface="Arial" panose="020B0604020202020204" pitchFamily="34" charset="0"/>
+              </a:rPr>
+              <a:t>() == "") {</a:t>
+            </a:r>
+          </a:p>
+          <a:p>
+            <a:pPr marL="1371600" lvl="3" indent="0">
+              <a:buNone/>
+            </a:pPr>
+            <a:r>
+              <a:rPr lang="en-US" sz="1400" dirty="0">
+                <a:latin typeface="Arial" panose="020B0604020202020204" pitchFamily="34" charset="0"/>
+                <a:cs typeface="Arial" panose="020B0604020202020204" pitchFamily="34" charset="0"/>
+              </a:rPr>
+              <a:t>alert("Please enter a valid name!");</a:t>
+            </a:r>
+          </a:p>
+          <a:p>
+            <a:pPr marL="1371600" lvl="3" indent="0">
+              <a:buNone/>
+            </a:pPr>
+            <a:r>
+              <a:rPr lang="en-US" sz="1400" dirty="0">
+                <a:latin typeface="Arial" panose="020B0604020202020204" pitchFamily="34" charset="0"/>
+                <a:cs typeface="Arial" panose="020B0604020202020204" pitchFamily="34" charset="0"/>
+              </a:rPr>
+              <a:t>return</a:t>
+            </a:r>
+          </a:p>
+          <a:p>
+            <a:pPr marL="457200" lvl="1" indent="0">
+              <a:buNone/>
+            </a:pPr>
+            <a:r>
+              <a:rPr lang="en-US" sz="1400" dirty="0">
+                <a:latin typeface="Arial" panose="020B0604020202020204" pitchFamily="34" charset="0"/>
+                <a:cs typeface="Arial" panose="020B0604020202020204" pitchFamily="34" charset="0"/>
+              </a:rPr>
+              <a:t>	}</a:t>
+            </a:r>
+          </a:p>
+          <a:p>
+            <a:pPr marL="914400" lvl="2" indent="0">
+              <a:buNone/>
+            </a:pPr>
+            <a:r>
+              <a:rPr lang="en-US" sz="1400" dirty="0" err="1">
+                <a:latin typeface="Arial" panose="020B0604020202020204" pitchFamily="34" charset="0"/>
+                <a:cs typeface="Arial" panose="020B0604020202020204" pitchFamily="34" charset="0"/>
+              </a:rPr>
+              <a:t>document.getElementById</a:t>
+            </a:r>
+            <a:r>
+              <a:rPr lang="en-US" sz="1400" dirty="0">
+                <a:latin typeface="Arial" panose="020B0604020202020204" pitchFamily="34" charset="0"/>
+                <a:cs typeface="Arial" panose="020B0604020202020204" pitchFamily="34" charset="0"/>
+              </a:rPr>
+              <a:t>("ex0_out").</a:t>
+            </a:r>
+            <a:r>
+              <a:rPr lang="en-US" sz="1400" dirty="0" err="1">
+                <a:latin typeface="Arial" panose="020B0604020202020204" pitchFamily="34" charset="0"/>
+                <a:cs typeface="Arial" panose="020B0604020202020204" pitchFamily="34" charset="0"/>
+              </a:rPr>
+              <a:t>innerHTML</a:t>
+            </a:r>
+            <a:r>
+              <a:rPr lang="en-US" sz="1400" dirty="0">
+                <a:latin typeface="Arial" panose="020B0604020202020204" pitchFamily="34" charset="0"/>
+                <a:cs typeface="Arial" panose="020B0604020202020204" pitchFamily="34" charset="0"/>
+              </a:rPr>
+              <a:t> = "Hello " + name + "!";</a:t>
+            </a:r>
+          </a:p>
+          <a:p>
+            <a:pPr marL="457200" lvl="1" indent="0">
+              <a:buNone/>
+            </a:pPr>
+            <a:r>
+              <a:rPr lang="en-US" sz="1400" dirty="0">
+                <a:latin typeface="Arial" panose="020B0604020202020204" pitchFamily="34" charset="0"/>
+                <a:cs typeface="Arial" panose="020B0604020202020204" pitchFamily="34" charset="0"/>
+              </a:rPr>
+              <a:t>}</a:t>
+            </a:r>
+          </a:p>
+          <a:p>
+            <a:pPr marL="0" indent="0">
+              <a:buNone/>
+            </a:pPr>
+            <a:r>
+              <a:rPr lang="en-US" sz="1400" dirty="0">
+                <a:latin typeface="Arial" panose="020B0604020202020204" pitchFamily="34" charset="0"/>
+                <a:cs typeface="Arial" panose="020B0604020202020204" pitchFamily="34" charset="0"/>
+              </a:rPr>
+              <a:t>&lt;/script&gt;</a:t>
+            </a:r>
+          </a:p>
+          <a:p>
+            <a:pPr marL="0" indent="0">
+              <a:buNone/>
+            </a:pPr>
+            <a:endParaRPr lang="en-US" sz="1400" dirty="0">
+              <a:latin typeface="Arial" panose="020B0604020202020204" pitchFamily="34" charset="0"/>
+              <a:cs typeface="Arial" panose="020B0604020202020204" pitchFamily="34" charset="0"/>
+            </a:endParaRPr>
+          </a:p>
+        </p:txBody>
+      </p:sp>
+      <p:pic>
+        <p:nvPicPr>
+          <p:cNvPr id="5" name="Picture 4">
+            <a:extLst>
+              <a:ext uri="{FF2B5EF4-FFF2-40B4-BE49-F238E27FC236}">
+                <a16:creationId xmlns:a16="http://schemas.microsoft.com/office/drawing/2014/main" id="{4A5CB890-0D5A-4C90-B460-60C993F9B8EF}"/>
+              </a:ext>
+            </a:extLst>
+          </p:cNvPr>
+          <p:cNvPicPr>
+            <a:picLocks noChangeAspect="1"/>
+          </p:cNvPicPr>
+          <p:nvPr/>
+        </p:nvPicPr>
+        <p:blipFill>
+          <a:blip r:embed="rId2"/>
+          <a:stretch>
+            <a:fillRect/>
+          </a:stretch>
+        </p:blipFill>
+        <p:spPr>
+          <a:xfrm>
+            <a:off x="1107611" y="1825625"/>
+            <a:ext cx="3371922" cy="1894965"/>
+          </a:xfrm>
+          <a:prstGeom prst="rect">
+            <a:avLst/>
+          </a:prstGeom>
+        </p:spPr>
+      </p:pic>
+      <p:pic>
+        <p:nvPicPr>
+          <p:cNvPr id="6" name="Picture 5">
+            <a:extLst>
+              <a:ext uri="{FF2B5EF4-FFF2-40B4-BE49-F238E27FC236}">
+                <a16:creationId xmlns:a16="http://schemas.microsoft.com/office/drawing/2014/main" id="{9B7F67ED-655A-4BE6-B8F6-3F464927702B}"/>
+              </a:ext>
+            </a:extLst>
+          </p:cNvPr>
+          <p:cNvPicPr>
+            <a:picLocks noChangeAspect="1"/>
+          </p:cNvPicPr>
+          <p:nvPr/>
+        </p:nvPicPr>
+        <p:blipFill>
+          <a:blip r:embed="rId3"/>
+          <a:stretch>
+            <a:fillRect/>
+          </a:stretch>
+        </p:blipFill>
+        <p:spPr>
+          <a:xfrm>
+            <a:off x="1107611" y="4148413"/>
+            <a:ext cx="3371922" cy="1807395"/>
+          </a:xfrm>
+          <a:prstGeom prst="rect">
+            <a:avLst/>
+          </a:prstGeom>
+          <a:ln>
+            <a:solidFill>
+              <a:schemeClr val="tx1"/>
+            </a:solidFill>
+          </a:ln>
+        </p:spPr>
+      </p:pic>
+    </p:spTree>
+    <p:extLst>
+      <p:ext uri="{BB962C8B-B14F-4D97-AF65-F5344CB8AC3E}">
+        <p14:creationId xmlns:p14="http://schemas.microsoft.com/office/powerpoint/2010/main" val="3917243500"/>
+      </p:ext>
+    </p:extLst>
+  </p:cSld>
+  <p:clrMapOvr>
+    <a:masterClrMapping/>
+  </p:clrMapOvr>
+</p:sld>
+</file>
+
+<file path=ppt/slides/slide12.xml><?xml version="1.0" encoding="utf-8"?>
+<p:sld xmlns:a="http://schemas.openxmlformats.org/drawingml/2006/main" xmlns:r="http://schemas.openxmlformats.org/officeDocument/2006/relationships" xmlns:p="http://schemas.openxmlformats.org/presentationml/2006/main">
+  <p:cSld>
+    <p:spTree>
+      <p:nvGrpSpPr>
+        <p:cNvPr id="1" name=""/>
+        <p:cNvGrpSpPr/>
+        <p:nvPr/>
+      </p:nvGrpSpPr>
+      <p:grpSpPr>
+        <a:xfrm>
+          <a:off x="0" y="0"/>
+          <a:ext cx="0" cy="0"/>
+          <a:chOff x="0" y="0"/>
+          <a:chExt cx="0" cy="0"/>
+        </a:xfrm>
+      </p:grpSpPr>
+      <p:sp>
+        <p:nvSpPr>
+          <p:cNvPr id="2" name="Title 1">
+            <a:extLst>
+              <a:ext uri="{FF2B5EF4-FFF2-40B4-BE49-F238E27FC236}">
+                <a16:creationId xmlns:a16="http://schemas.microsoft.com/office/drawing/2014/main" id="{60087B88-280F-4952-A719-D3F62C7989F7}"/>
+              </a:ext>
+            </a:extLst>
+          </p:cNvPr>
+          <p:cNvSpPr>
+            <a:spLocks noGrp="1"/>
+          </p:cNvSpPr>
+          <p:nvPr>
+            <p:ph type="title"/>
+          </p:nvPr>
+        </p:nvSpPr>
+        <p:spPr/>
+        <p:txBody>
+          <a:bodyPr/>
+          <a:lstStyle/>
+          <a:p>
+            <a:r>
+              <a:rPr lang="en-US" dirty="0">
+                <a:latin typeface="Comfortaa" panose="020F0603070000060003" pitchFamily="34" charset="0"/>
+              </a:rPr>
+              <a:t>Exercise 0 Concepts: Button </a:t>
+            </a:r>
+            <a:r>
+              <a:rPr lang="en-US" dirty="0" err="1">
+                <a:latin typeface="Comfortaa" panose="020F0603070000060003" pitchFamily="34" charset="0"/>
+              </a:rPr>
+              <a:t>onclick</a:t>
+            </a:r>
+            <a:endParaRPr lang="en-US" dirty="0">
+              <a:latin typeface="Comfortaa" panose="020F0603070000060003" pitchFamily="34" charset="0"/>
+            </a:endParaRPr>
+          </a:p>
+        </p:txBody>
+      </p:sp>
+      <p:sp>
+        <p:nvSpPr>
+          <p:cNvPr id="3" name="Content Placeholder 2">
+            <a:extLst>
+              <a:ext uri="{FF2B5EF4-FFF2-40B4-BE49-F238E27FC236}">
+                <a16:creationId xmlns:a16="http://schemas.microsoft.com/office/drawing/2014/main" id="{885C8C44-EBB6-4F67-A198-567478F0C56E}"/>
+              </a:ext>
+            </a:extLst>
+          </p:cNvPr>
+          <p:cNvSpPr>
+            <a:spLocks noGrp="1"/>
+          </p:cNvSpPr>
+          <p:nvPr>
+            <p:ph idx="1"/>
+          </p:nvPr>
+        </p:nvSpPr>
+        <p:spPr/>
+        <p:txBody>
+          <a:bodyPr/>
+          <a:lstStyle/>
+          <a:p>
+            <a:r>
+              <a:rPr lang="en-US" dirty="0">
+                <a:latin typeface="Comfortaa" panose="020F0603070000060003" pitchFamily="34" charset="0"/>
+              </a:rPr>
+              <a:t>&lt;button </a:t>
+            </a:r>
+            <a:r>
+              <a:rPr lang="en-US" b="1" dirty="0" err="1">
+                <a:solidFill>
+                  <a:srgbClr val="FF0000"/>
+                </a:solidFill>
+                <a:latin typeface="Comfortaa" panose="020F0603070000060003" pitchFamily="34" charset="0"/>
+              </a:rPr>
+              <a:t>onclick</a:t>
+            </a:r>
+            <a:r>
+              <a:rPr lang="en-US" b="1" dirty="0">
+                <a:solidFill>
+                  <a:srgbClr val="FF0000"/>
+                </a:solidFill>
+                <a:latin typeface="Comfortaa" panose="020F0603070000060003" pitchFamily="34" charset="0"/>
+              </a:rPr>
+              <a:t>="ex0();"</a:t>
+            </a:r>
+            <a:r>
+              <a:rPr lang="en-US" dirty="0">
+                <a:latin typeface="Comfortaa" panose="020F0603070000060003" pitchFamily="34" charset="0"/>
+              </a:rPr>
+              <a:t>&gt;Submit&lt;/button&gt;</a:t>
+            </a:r>
+          </a:p>
+          <a:p>
+            <a:pPr lvl="1"/>
+            <a:r>
+              <a:rPr lang="en-US" dirty="0">
+                <a:latin typeface="Comfortaa" panose="020F0603070000060003" pitchFamily="34" charset="0"/>
+              </a:rPr>
+              <a:t>“</a:t>
+            </a:r>
+            <a:r>
+              <a:rPr lang="en-US" dirty="0" err="1">
+                <a:latin typeface="Comfortaa" panose="020F0603070000060003" pitchFamily="34" charset="0"/>
+              </a:rPr>
+              <a:t>onclick</a:t>
+            </a:r>
+            <a:r>
+              <a:rPr lang="en-US" dirty="0">
+                <a:latin typeface="Comfortaa" panose="020F0603070000060003" pitchFamily="34" charset="0"/>
+              </a:rPr>
+              <a:t>” specifies some JS code to run when the button is clicked</a:t>
+            </a:r>
+          </a:p>
+          <a:p>
+            <a:pPr lvl="1"/>
+            <a:r>
+              <a:rPr lang="en-US" dirty="0">
+                <a:latin typeface="Comfortaa" panose="020F0603070000060003" pitchFamily="34" charset="0"/>
+              </a:rPr>
+              <a:t>In this case, execute JS function ex0</a:t>
+            </a:r>
+          </a:p>
+          <a:p>
+            <a:pPr lvl="1"/>
+            <a:endParaRPr lang="en-US" dirty="0">
+              <a:latin typeface="Comfortaa" panose="020F0603070000060003" pitchFamily="34" charset="0"/>
+            </a:endParaRPr>
+          </a:p>
+        </p:txBody>
+      </p:sp>
+      <p:pic>
+        <p:nvPicPr>
+          <p:cNvPr id="4" name="Picture 3">
+            <a:extLst>
+              <a:ext uri="{FF2B5EF4-FFF2-40B4-BE49-F238E27FC236}">
+                <a16:creationId xmlns:a16="http://schemas.microsoft.com/office/drawing/2014/main" id="{7CE33B66-CA6C-4A84-9289-94DE48522E01}"/>
+              </a:ext>
+            </a:extLst>
+          </p:cNvPr>
+          <p:cNvPicPr>
+            <a:picLocks noChangeAspect="1"/>
+          </p:cNvPicPr>
+          <p:nvPr/>
+        </p:nvPicPr>
+        <p:blipFill>
+          <a:blip r:embed="rId2"/>
+          <a:stretch>
+            <a:fillRect/>
+          </a:stretch>
+        </p:blipFill>
+        <p:spPr>
+          <a:xfrm>
+            <a:off x="838200" y="3434255"/>
+            <a:ext cx="4607457" cy="2469658"/>
+          </a:xfrm>
+          <a:prstGeom prst="rect">
+            <a:avLst/>
+          </a:prstGeom>
+          <a:ln>
+            <a:solidFill>
+              <a:schemeClr val="tx1"/>
+            </a:solidFill>
+          </a:ln>
+        </p:spPr>
+      </p:pic>
+    </p:spTree>
+    <p:extLst>
+      <p:ext uri="{BB962C8B-B14F-4D97-AF65-F5344CB8AC3E}">
+        <p14:creationId xmlns:p14="http://schemas.microsoft.com/office/powerpoint/2010/main" val="3062805028"/>
+      </p:ext>
+    </p:extLst>
+  </p:cSld>
+  <p:clrMapOvr>
+    <a:masterClrMapping/>
+  </p:clrMapOvr>
+</p:sld>
+</file>
+
+<file path=ppt/slides/slide13.xml><?xml version="1.0" encoding="utf-8"?>
+<p:sld xmlns:a="http://schemas.openxmlformats.org/drawingml/2006/main" xmlns:r="http://schemas.openxmlformats.org/officeDocument/2006/relationships" xmlns:p="http://schemas.openxmlformats.org/presentationml/2006/main">
+  <p:cSld>
+    <p:spTree>
+      <p:nvGrpSpPr>
+        <p:cNvPr id="1" name=""/>
+        <p:cNvGrpSpPr/>
+        <p:nvPr/>
+      </p:nvGrpSpPr>
+      <p:grpSpPr>
+        <a:xfrm>
+          <a:off x="0" y="0"/>
+          <a:ext cx="0" cy="0"/>
+          <a:chOff x="0" y="0"/>
+          <a:chExt cx="0" cy="0"/>
+        </a:xfrm>
+      </p:grpSpPr>
+      <p:sp>
+        <p:nvSpPr>
+          <p:cNvPr id="2" name="Title 1">
+            <a:extLst>
+              <a:ext uri="{FF2B5EF4-FFF2-40B4-BE49-F238E27FC236}">
+                <a16:creationId xmlns:a16="http://schemas.microsoft.com/office/drawing/2014/main" id="{9362CF1F-FE26-4784-988F-95A693E6B0A8}"/>
+              </a:ext>
+            </a:extLst>
+          </p:cNvPr>
+          <p:cNvSpPr>
+            <a:spLocks noGrp="1"/>
+          </p:cNvSpPr>
+          <p:nvPr>
+            <p:ph type="title"/>
+          </p:nvPr>
+        </p:nvSpPr>
+        <p:spPr/>
+        <p:txBody>
+          <a:bodyPr/>
+          <a:lstStyle/>
+          <a:p>
+            <a:r>
+              <a:rPr lang="en-US" dirty="0">
+                <a:latin typeface="Comfortaa" panose="020F0603070000060003" pitchFamily="34" charset="0"/>
+              </a:rPr>
+              <a:t>Exercise 0 Concepts: Script Tag</a:t>
+            </a:r>
+          </a:p>
+        </p:txBody>
+      </p:sp>
+      <p:sp>
+        <p:nvSpPr>
+          <p:cNvPr id="3" name="Content Placeholder 2">
+            <a:extLst>
+              <a:ext uri="{FF2B5EF4-FFF2-40B4-BE49-F238E27FC236}">
+                <a16:creationId xmlns:a16="http://schemas.microsoft.com/office/drawing/2014/main" id="{FE48E321-6A88-4062-8554-8CA27BFBB248}"/>
+              </a:ext>
+            </a:extLst>
+          </p:cNvPr>
+          <p:cNvSpPr>
+            <a:spLocks noGrp="1"/>
+          </p:cNvSpPr>
+          <p:nvPr>
+            <p:ph idx="1"/>
+          </p:nvPr>
+        </p:nvSpPr>
+        <p:spPr>
+          <a:xfrm>
+            <a:off x="6305550" y="1830762"/>
+            <a:ext cx="5048250" cy="4351338"/>
+          </a:xfrm>
+        </p:spPr>
+        <p:txBody>
+          <a:bodyPr>
+            <a:normAutofit/>
+          </a:bodyPr>
+          <a:lstStyle/>
+          <a:p>
+            <a:r>
+              <a:rPr lang="en-US" sz="2400" dirty="0">
+                <a:latin typeface="Comfortaa" panose="020F0603070000060003" pitchFamily="34" charset="0"/>
+              </a:rPr>
+              <a:t>Lets us define JS code in the body of the document</a:t>
+            </a:r>
+          </a:p>
+          <a:p>
+            <a:r>
+              <a:rPr lang="en-US" sz="2400" dirty="0">
+                <a:latin typeface="Comfortaa" panose="020F0603070000060003" pitchFamily="34" charset="0"/>
+              </a:rPr>
+              <a:t>Define function ex0()</a:t>
+            </a:r>
+          </a:p>
+          <a:p>
+            <a:r>
+              <a:rPr lang="en-US" sz="2400" dirty="0">
+                <a:latin typeface="Comfortaa" panose="020F0603070000060003" pitchFamily="34" charset="0"/>
+              </a:rPr>
+              <a:t>Extract contents of “ex0_in”, store them in </a:t>
+            </a:r>
+            <a:r>
+              <a:rPr lang="en-US" sz="2400" i="1" dirty="0">
+                <a:latin typeface="Comfortaa" panose="020F0603070000060003" pitchFamily="34" charset="0"/>
+              </a:rPr>
+              <a:t>name</a:t>
+            </a:r>
+          </a:p>
+          <a:p>
+            <a:r>
+              <a:rPr lang="en-US" sz="2400" dirty="0">
+                <a:latin typeface="Comfortaa" panose="020F0603070000060003" pitchFamily="34" charset="0"/>
+              </a:rPr>
+              <a:t>Validate the data</a:t>
+            </a:r>
+          </a:p>
+          <a:p>
+            <a:pPr lvl="1"/>
+            <a:r>
+              <a:rPr lang="en-US" dirty="0">
+                <a:latin typeface="Comfortaa" panose="020F0603070000060003" pitchFamily="34" charset="0"/>
+              </a:rPr>
+              <a:t>If data validation fails, abort</a:t>
+            </a:r>
+          </a:p>
+          <a:p>
+            <a:r>
+              <a:rPr lang="en-US" sz="2400" dirty="0">
+                <a:latin typeface="Comfortaa" panose="020F0603070000060003" pitchFamily="34" charset="0"/>
+              </a:rPr>
+              <a:t>Set html content of ex0_out to be “Hello &lt;name&gt;!”</a:t>
+            </a:r>
+          </a:p>
+        </p:txBody>
+      </p:sp>
+      <p:pic>
+        <p:nvPicPr>
+          <p:cNvPr id="4" name="Picture 3">
+            <a:extLst>
+              <a:ext uri="{FF2B5EF4-FFF2-40B4-BE49-F238E27FC236}">
+                <a16:creationId xmlns:a16="http://schemas.microsoft.com/office/drawing/2014/main" id="{4C0B0E47-9503-44C6-91BC-0861CCCD03BE}"/>
+              </a:ext>
+            </a:extLst>
+          </p:cNvPr>
+          <p:cNvPicPr>
+            <a:picLocks noChangeAspect="1"/>
+          </p:cNvPicPr>
+          <p:nvPr/>
+        </p:nvPicPr>
+        <p:blipFill>
+          <a:blip r:embed="rId2"/>
+          <a:stretch>
+            <a:fillRect/>
+          </a:stretch>
+        </p:blipFill>
+        <p:spPr>
+          <a:xfrm>
+            <a:off x="304453" y="3446480"/>
+            <a:ext cx="5950298" cy="1833563"/>
+          </a:xfrm>
+          <a:prstGeom prst="rect">
+            <a:avLst/>
+          </a:prstGeom>
+        </p:spPr>
+      </p:pic>
+      <p:pic>
+        <p:nvPicPr>
+          <p:cNvPr id="5" name="Picture 4">
+            <a:extLst>
+              <a:ext uri="{FF2B5EF4-FFF2-40B4-BE49-F238E27FC236}">
+                <a16:creationId xmlns:a16="http://schemas.microsoft.com/office/drawing/2014/main" id="{3892B92E-79AD-488B-AC1E-8361CA8F3119}"/>
+              </a:ext>
+            </a:extLst>
+          </p:cNvPr>
+          <p:cNvPicPr>
+            <a:picLocks noChangeAspect="1"/>
+          </p:cNvPicPr>
+          <p:nvPr/>
+        </p:nvPicPr>
+        <p:blipFill>
+          <a:blip r:embed="rId3"/>
+          <a:stretch>
+            <a:fillRect/>
+          </a:stretch>
+        </p:blipFill>
+        <p:spPr>
+          <a:xfrm>
+            <a:off x="304453" y="1690688"/>
+            <a:ext cx="5950298" cy="1156810"/>
+          </a:xfrm>
+          <a:prstGeom prst="rect">
+            <a:avLst/>
+          </a:prstGeom>
+        </p:spPr>
+      </p:pic>
+    </p:spTree>
+    <p:extLst>
+      <p:ext uri="{BB962C8B-B14F-4D97-AF65-F5344CB8AC3E}">
+        <p14:creationId xmlns:p14="http://schemas.microsoft.com/office/powerpoint/2010/main" val="1214876478"/>
+      </p:ext>
+    </p:extLst>
+  </p:cSld>
+  <p:clrMapOvr>
+    <a:masterClrMapping/>
+  </p:clrMapOvr>
+</p:sld>
+</file>
+
+<file path=ppt/slides/slide14.xml><?xml version="1.0" encoding="utf-8"?>
+<p:sld xmlns:a="http://schemas.openxmlformats.org/drawingml/2006/main" xmlns:r="http://schemas.openxmlformats.org/officeDocument/2006/relationships" xmlns:p="http://schemas.openxmlformats.org/presentationml/2006/main">
+  <p:cSld>
+    <p:spTree>
+      <p:nvGrpSpPr>
+        <p:cNvPr id="1" name=""/>
+        <p:cNvGrpSpPr/>
+        <p:nvPr/>
+      </p:nvGrpSpPr>
+      <p:grpSpPr>
+        <a:xfrm>
+          <a:off x="0" y="0"/>
+          <a:ext cx="0" cy="0"/>
+          <a:chOff x="0" y="0"/>
+          <a:chExt cx="0" cy="0"/>
+        </a:xfrm>
+      </p:grpSpPr>
+      <p:sp>
+        <p:nvSpPr>
+          <p:cNvPr id="2" name="Title 1">
+            <a:extLst>
+              <a:ext uri="{FF2B5EF4-FFF2-40B4-BE49-F238E27FC236}">
+                <a16:creationId xmlns:a16="http://schemas.microsoft.com/office/drawing/2014/main" id="{717CD003-DA8B-4690-8893-C51507577286}"/>
+              </a:ext>
+            </a:extLst>
+          </p:cNvPr>
+          <p:cNvSpPr>
+            <a:spLocks noGrp="1"/>
+          </p:cNvSpPr>
+          <p:nvPr>
+            <p:ph type="title"/>
+          </p:nvPr>
+        </p:nvSpPr>
+        <p:spPr/>
+        <p:txBody>
+          <a:bodyPr/>
+          <a:lstStyle/>
+          <a:p>
+            <a:r>
+              <a:rPr lang="en-US" dirty="0">
+                <a:latin typeface="Comfortaa" panose="020F0603070000060003" pitchFamily="34" charset="0"/>
+              </a:rPr>
+              <a:t>Exercise 1: Addition Calculator</a:t>
+            </a:r>
+          </a:p>
+        </p:txBody>
+      </p:sp>
+      <p:sp>
+        <p:nvSpPr>
+          <p:cNvPr id="3" name="Content Placeholder 2">
+            <a:extLst>
+              <a:ext uri="{FF2B5EF4-FFF2-40B4-BE49-F238E27FC236}">
+                <a16:creationId xmlns:a16="http://schemas.microsoft.com/office/drawing/2014/main" id="{72858A7F-ACAE-40B9-963A-FF8D9B86556C}"/>
+              </a:ext>
+            </a:extLst>
+          </p:cNvPr>
+          <p:cNvSpPr>
+            <a:spLocks noGrp="1"/>
+          </p:cNvSpPr>
+          <p:nvPr>
+            <p:ph idx="1"/>
+          </p:nvPr>
+        </p:nvSpPr>
+        <p:spPr>
+          <a:xfrm>
+            <a:off x="6445250" y="1825625"/>
+            <a:ext cx="4908549" cy="4351338"/>
+          </a:xfrm>
+        </p:spPr>
+        <p:txBody>
+          <a:bodyPr/>
+          <a:lstStyle/>
+          <a:p>
+            <a:r>
+              <a:rPr lang="en-US" dirty="0">
+                <a:latin typeface="Comfortaa" panose="020F0603070000060003" pitchFamily="34" charset="0"/>
+              </a:rPr>
+              <a:t>Modify contents of &lt;script&gt; tag</a:t>
+            </a:r>
+          </a:p>
+          <a:p>
+            <a:r>
+              <a:rPr lang="en-US" dirty="0">
+                <a:latin typeface="Comfortaa" panose="020F0603070000060003" pitchFamily="34" charset="0"/>
+              </a:rPr>
+              <a:t>Give numbers as input</a:t>
+            </a:r>
+          </a:p>
+          <a:p>
+            <a:r>
+              <a:rPr lang="en-US" dirty="0">
+                <a:latin typeface="Comfortaa" panose="020F0603070000060003" pitchFamily="34" charset="0"/>
+              </a:rPr>
+              <a:t>Replace “[Answer goes here]” with their sum</a:t>
+            </a:r>
+          </a:p>
+          <a:p>
+            <a:r>
+              <a:rPr lang="en-US" dirty="0">
+                <a:latin typeface="Comfortaa" panose="020F0603070000060003" pitchFamily="34" charset="0"/>
+              </a:rPr>
+              <a:t>Hint: You’ll need to extract the contents of the &lt;input&gt; elements</a:t>
+            </a:r>
+          </a:p>
+        </p:txBody>
+      </p:sp>
+      <p:pic>
+        <p:nvPicPr>
+          <p:cNvPr id="4" name="Picture 3">
+            <a:extLst>
+              <a:ext uri="{FF2B5EF4-FFF2-40B4-BE49-F238E27FC236}">
+                <a16:creationId xmlns:a16="http://schemas.microsoft.com/office/drawing/2014/main" id="{ACBC38C2-D127-4FF3-AF5A-5B18967A09F5}"/>
+              </a:ext>
+            </a:extLst>
+          </p:cNvPr>
+          <p:cNvPicPr>
+            <a:picLocks noChangeAspect="1"/>
+          </p:cNvPicPr>
+          <p:nvPr/>
+        </p:nvPicPr>
+        <p:blipFill>
+          <a:blip r:embed="rId2"/>
+          <a:stretch>
+            <a:fillRect/>
+          </a:stretch>
+        </p:blipFill>
+        <p:spPr>
+          <a:xfrm>
+            <a:off x="482600" y="1558497"/>
+            <a:ext cx="5962650" cy="2286582"/>
+          </a:xfrm>
+          <a:prstGeom prst="rect">
+            <a:avLst/>
+          </a:prstGeom>
+        </p:spPr>
+      </p:pic>
+      <p:pic>
+        <p:nvPicPr>
+          <p:cNvPr id="5" name="Picture 4">
+            <a:extLst>
+              <a:ext uri="{FF2B5EF4-FFF2-40B4-BE49-F238E27FC236}">
+                <a16:creationId xmlns:a16="http://schemas.microsoft.com/office/drawing/2014/main" id="{BA78A7F4-1FC3-4B69-9DEB-241BC5486353}"/>
+              </a:ext>
+            </a:extLst>
+          </p:cNvPr>
+          <p:cNvPicPr>
+            <a:picLocks noChangeAspect="1"/>
+          </p:cNvPicPr>
+          <p:nvPr/>
+        </p:nvPicPr>
+        <p:blipFill>
+          <a:blip r:embed="rId3"/>
+          <a:stretch>
+            <a:fillRect/>
+          </a:stretch>
+        </p:blipFill>
+        <p:spPr>
+          <a:xfrm>
+            <a:off x="482601" y="4531883"/>
+            <a:ext cx="5962650" cy="1717747"/>
+          </a:xfrm>
+          <a:prstGeom prst="rect">
+            <a:avLst/>
+          </a:prstGeom>
+        </p:spPr>
+      </p:pic>
+    </p:spTree>
+    <p:extLst>
+      <p:ext uri="{BB962C8B-B14F-4D97-AF65-F5344CB8AC3E}">
+        <p14:creationId xmlns:p14="http://schemas.microsoft.com/office/powerpoint/2010/main" val="3366880726"/>
+      </p:ext>
+    </p:extLst>
+  </p:cSld>
+  <p:clrMapOvr>
+    <a:masterClrMapping/>
+  </p:clrMapOvr>
+</p:sld>
+</file>
+
+<file path=ppt/slides/slide15.xml><?xml version="1.0" encoding="utf-8"?>
+<p:sld xmlns:a="http://schemas.openxmlformats.org/drawingml/2006/main" xmlns:r="http://schemas.openxmlformats.org/officeDocument/2006/relationships" xmlns:p="http://schemas.openxmlformats.org/presentationml/2006/main">
+  <p:cSld>
+    <p:spTree>
+      <p:nvGrpSpPr>
+        <p:cNvPr id="1" name=""/>
+        <p:cNvGrpSpPr/>
+        <p:nvPr/>
+      </p:nvGrpSpPr>
+      <p:grpSpPr>
+        <a:xfrm>
+          <a:off x="0" y="0"/>
+          <a:ext cx="0" cy="0"/>
+          <a:chOff x="0" y="0"/>
+          <a:chExt cx="0" cy="0"/>
+        </a:xfrm>
+      </p:grpSpPr>
+      <p:sp>
+        <p:nvSpPr>
+          <p:cNvPr id="2" name="Title 1">
+            <a:extLst>
+              <a:ext uri="{FF2B5EF4-FFF2-40B4-BE49-F238E27FC236}">
+                <a16:creationId xmlns:a16="http://schemas.microsoft.com/office/drawing/2014/main" id="{717CD003-DA8B-4690-8893-C51507577286}"/>
+              </a:ext>
+            </a:extLst>
+          </p:cNvPr>
+          <p:cNvSpPr>
+            <a:spLocks noGrp="1"/>
+          </p:cNvSpPr>
+          <p:nvPr>
+            <p:ph type="title"/>
+          </p:nvPr>
+        </p:nvSpPr>
+        <p:spPr/>
+        <p:txBody>
+          <a:bodyPr/>
+          <a:lstStyle/>
+          <a:p>
+            <a:r>
+              <a:rPr lang="en-US" dirty="0">
+                <a:latin typeface="Comfortaa" panose="020F0603070000060003" pitchFamily="34" charset="0"/>
+              </a:rPr>
+              <a:t>Exercise 2: Generic Calculator</a:t>
+            </a:r>
+          </a:p>
+        </p:txBody>
+      </p:sp>
+      <p:sp>
+        <p:nvSpPr>
+          <p:cNvPr id="3" name="Content Placeholder 2">
+            <a:extLst>
+              <a:ext uri="{FF2B5EF4-FFF2-40B4-BE49-F238E27FC236}">
+                <a16:creationId xmlns:a16="http://schemas.microsoft.com/office/drawing/2014/main" id="{72858A7F-ACAE-40B9-963A-FF8D9B86556C}"/>
+              </a:ext>
+            </a:extLst>
+          </p:cNvPr>
+          <p:cNvSpPr>
+            <a:spLocks noGrp="1"/>
+          </p:cNvSpPr>
+          <p:nvPr>
+            <p:ph idx="1"/>
+          </p:nvPr>
+        </p:nvSpPr>
+        <p:spPr>
+          <a:xfrm>
+            <a:off x="6445250" y="1825625"/>
+            <a:ext cx="4908549" cy="4351338"/>
+          </a:xfrm>
+        </p:spPr>
+        <p:txBody>
+          <a:bodyPr/>
+          <a:lstStyle/>
+          <a:p>
+            <a:r>
+              <a:rPr lang="en-US" dirty="0">
+                <a:latin typeface="Comfortaa" panose="020F0603070000060003" pitchFamily="34" charset="0"/>
+              </a:rPr>
+              <a:t>Give numbers as input</a:t>
+            </a:r>
+          </a:p>
+          <a:p>
+            <a:r>
+              <a:rPr lang="en-US" dirty="0">
+                <a:latin typeface="Comfortaa" panose="020F0603070000060003" pitchFamily="34" charset="0"/>
+              </a:rPr>
+              <a:t>Select one of Addition, Subtraction, Multiplication, Division for the operation</a:t>
+            </a:r>
+          </a:p>
+          <a:p>
+            <a:r>
+              <a:rPr lang="en-US" dirty="0">
+                <a:latin typeface="Comfortaa" panose="020F0603070000060003" pitchFamily="34" charset="0"/>
+              </a:rPr>
+              <a:t>Clicking Submit replaces “[Answer goes here]” with the answer</a:t>
+            </a:r>
+          </a:p>
+          <a:p>
+            <a:r>
+              <a:rPr lang="en-US" dirty="0">
+                <a:latin typeface="Comfortaa" panose="020F0603070000060003" pitchFamily="34" charset="0"/>
+              </a:rPr>
+              <a:t>Hint: How can you get the contents of the select box?</a:t>
+            </a:r>
+          </a:p>
+        </p:txBody>
+      </p:sp>
+      <p:pic>
+        <p:nvPicPr>
+          <p:cNvPr id="5" name="Picture 4">
+            <a:extLst>
+              <a:ext uri="{FF2B5EF4-FFF2-40B4-BE49-F238E27FC236}">
+                <a16:creationId xmlns:a16="http://schemas.microsoft.com/office/drawing/2014/main" id="{F1F474AE-BC4B-4832-9340-221F7EEE76EC}"/>
+              </a:ext>
+            </a:extLst>
+          </p:cNvPr>
+          <p:cNvPicPr>
+            <a:picLocks noChangeAspect="1"/>
+          </p:cNvPicPr>
+          <p:nvPr/>
+        </p:nvPicPr>
+        <p:blipFill>
+          <a:blip r:embed="rId2"/>
+          <a:stretch>
+            <a:fillRect/>
+          </a:stretch>
+        </p:blipFill>
+        <p:spPr>
+          <a:xfrm>
+            <a:off x="496590" y="1577674"/>
+            <a:ext cx="5132149" cy="2193532"/>
+          </a:xfrm>
+          <a:prstGeom prst="rect">
+            <a:avLst/>
+          </a:prstGeom>
+        </p:spPr>
+      </p:pic>
+      <p:pic>
+        <p:nvPicPr>
+          <p:cNvPr id="6" name="Picture 5">
+            <a:extLst>
+              <a:ext uri="{FF2B5EF4-FFF2-40B4-BE49-F238E27FC236}">
+                <a16:creationId xmlns:a16="http://schemas.microsoft.com/office/drawing/2014/main" id="{E31B80FF-3009-4A34-B2F4-EBCD07478615}"/>
+              </a:ext>
+            </a:extLst>
+          </p:cNvPr>
+          <p:cNvPicPr>
+            <a:picLocks noChangeAspect="1"/>
+          </p:cNvPicPr>
+          <p:nvPr/>
+        </p:nvPicPr>
+        <p:blipFill>
+          <a:blip r:embed="rId3"/>
+          <a:stretch>
+            <a:fillRect/>
+          </a:stretch>
+        </p:blipFill>
+        <p:spPr>
+          <a:xfrm>
+            <a:off x="496590" y="3929866"/>
+            <a:ext cx="5092227" cy="2625092"/>
+          </a:xfrm>
+          <a:prstGeom prst="rect">
+            <a:avLst/>
+          </a:prstGeom>
+        </p:spPr>
+      </p:pic>
+    </p:spTree>
+    <p:extLst>
+      <p:ext uri="{BB962C8B-B14F-4D97-AF65-F5344CB8AC3E}">
+        <p14:creationId xmlns:p14="http://schemas.microsoft.com/office/powerpoint/2010/main" val="1066356310"/>
+      </p:ext>
+    </p:extLst>
+  </p:cSld>
+  <p:clrMapOvr>
+    <a:masterClrMapping/>
+  </p:clrMapOvr>
+</p:sld>
+</file>
+
+<file path=ppt/slides/slide16.xml><?xml version="1.0" encoding="utf-8"?>
+<p:sld xmlns:a="http://schemas.openxmlformats.org/drawingml/2006/main" xmlns:r="http://schemas.openxmlformats.org/officeDocument/2006/relationships" xmlns:p="http://schemas.openxmlformats.org/presentationml/2006/main">
+  <p:cSld>
+    <p:spTree>
+      <p:nvGrpSpPr>
+        <p:cNvPr id="1" name=""/>
+        <p:cNvGrpSpPr/>
+        <p:nvPr/>
+      </p:nvGrpSpPr>
+      <p:grpSpPr>
+        <a:xfrm>
+          <a:off x="0" y="0"/>
+          <a:ext cx="0" cy="0"/>
+          <a:chOff x="0" y="0"/>
+          <a:chExt cx="0" cy="0"/>
+        </a:xfrm>
+      </p:grpSpPr>
+      <p:sp>
+        <p:nvSpPr>
+          <p:cNvPr id="2" name="Title 1">
+            <a:extLst>
+              <a:ext uri="{FF2B5EF4-FFF2-40B4-BE49-F238E27FC236}">
+                <a16:creationId xmlns:a16="http://schemas.microsoft.com/office/drawing/2014/main" id="{717CD003-DA8B-4690-8893-C51507577286}"/>
+              </a:ext>
+            </a:extLst>
+          </p:cNvPr>
+          <p:cNvSpPr>
+            <a:spLocks noGrp="1"/>
+          </p:cNvSpPr>
+          <p:nvPr>
+            <p:ph type="title"/>
+          </p:nvPr>
+        </p:nvSpPr>
+        <p:spPr/>
+        <p:txBody>
+          <a:bodyPr/>
+          <a:lstStyle/>
+          <a:p>
+            <a:r>
+              <a:rPr lang="en-US" dirty="0">
+                <a:latin typeface="Comfortaa" panose="020F0603070000060003" pitchFamily="34" charset="0"/>
+              </a:rPr>
+              <a:t>Exercise 3: Calculator with Dynamic Form</a:t>
+            </a:r>
+          </a:p>
+        </p:txBody>
+      </p:sp>
+      <p:sp>
+        <p:nvSpPr>
+          <p:cNvPr id="3" name="Content Placeholder 2">
+            <a:extLst>
+              <a:ext uri="{FF2B5EF4-FFF2-40B4-BE49-F238E27FC236}">
+                <a16:creationId xmlns:a16="http://schemas.microsoft.com/office/drawing/2014/main" id="{72858A7F-ACAE-40B9-963A-FF8D9B86556C}"/>
+              </a:ext>
+            </a:extLst>
+          </p:cNvPr>
+          <p:cNvSpPr>
+            <a:spLocks noGrp="1"/>
+          </p:cNvSpPr>
+          <p:nvPr>
+            <p:ph idx="1"/>
+          </p:nvPr>
+        </p:nvSpPr>
+        <p:spPr>
+          <a:xfrm>
+            <a:off x="6445250" y="1825625"/>
+            <a:ext cx="4908549" cy="4351338"/>
+          </a:xfrm>
+        </p:spPr>
+        <p:txBody>
+          <a:bodyPr/>
+          <a:lstStyle/>
+          <a:p>
+            <a:r>
+              <a:rPr lang="en-US" dirty="0">
+                <a:latin typeface="Comfortaa" panose="020F0603070000060003" pitchFamily="34" charset="0"/>
+              </a:rPr>
+              <a:t>Give numbers as input</a:t>
+            </a:r>
+          </a:p>
+          <a:p>
+            <a:r>
+              <a:rPr lang="en-US" dirty="0">
+                <a:latin typeface="Comfortaa" panose="020F0603070000060003" pitchFamily="34" charset="0"/>
+              </a:rPr>
+              <a:t>Can add new input field by clicking “Add new field”</a:t>
+            </a:r>
+          </a:p>
+          <a:p>
+            <a:r>
+              <a:rPr lang="en-US" dirty="0">
+                <a:latin typeface="Comfortaa" panose="020F0603070000060003" pitchFamily="34" charset="0"/>
+              </a:rPr>
+              <a:t>Select one of Addition, or Multiplication for the operation</a:t>
+            </a:r>
+          </a:p>
+          <a:p>
+            <a:r>
+              <a:rPr lang="en-US" dirty="0">
+                <a:latin typeface="Comfortaa" panose="020F0603070000060003" pitchFamily="34" charset="0"/>
+              </a:rPr>
+              <a:t>Clicking Submit replaces “[Answer goes here]” with the answer</a:t>
+            </a:r>
+          </a:p>
+          <a:p>
+            <a:endParaRPr lang="en-US" dirty="0">
+              <a:latin typeface="Comfortaa" panose="020F0603070000060003" pitchFamily="34" charset="0"/>
+            </a:endParaRPr>
+          </a:p>
+        </p:txBody>
+      </p:sp>
+      <p:pic>
+        <p:nvPicPr>
+          <p:cNvPr id="5" name="Picture 4">
+            <a:extLst>
+              <a:ext uri="{FF2B5EF4-FFF2-40B4-BE49-F238E27FC236}">
+                <a16:creationId xmlns:a16="http://schemas.microsoft.com/office/drawing/2014/main" id="{CC65218C-2F41-41C3-A7E3-78E137F32DC2}"/>
+              </a:ext>
+            </a:extLst>
+          </p:cNvPr>
+          <p:cNvPicPr>
+            <a:picLocks noChangeAspect="1"/>
+          </p:cNvPicPr>
+          <p:nvPr/>
+        </p:nvPicPr>
+        <p:blipFill>
+          <a:blip r:embed="rId2"/>
+          <a:stretch>
+            <a:fillRect/>
+          </a:stretch>
+        </p:blipFill>
+        <p:spPr>
+          <a:xfrm>
+            <a:off x="838200" y="1762018"/>
+            <a:ext cx="3981275" cy="2410739"/>
+          </a:xfrm>
+          <a:prstGeom prst="rect">
+            <a:avLst/>
+          </a:prstGeom>
+        </p:spPr>
+      </p:pic>
+      <p:pic>
+        <p:nvPicPr>
+          <p:cNvPr id="6" name="Picture 5">
+            <a:extLst>
+              <a:ext uri="{FF2B5EF4-FFF2-40B4-BE49-F238E27FC236}">
+                <a16:creationId xmlns:a16="http://schemas.microsoft.com/office/drawing/2014/main" id="{1430597D-F00F-4DD3-8831-FAA87FDCC1ED}"/>
+              </a:ext>
+            </a:extLst>
+          </p:cNvPr>
+          <p:cNvPicPr>
+            <a:picLocks noChangeAspect="1"/>
+          </p:cNvPicPr>
+          <p:nvPr/>
+        </p:nvPicPr>
+        <p:blipFill>
+          <a:blip r:embed="rId3"/>
+          <a:stretch>
+            <a:fillRect/>
+          </a:stretch>
+        </p:blipFill>
+        <p:spPr>
+          <a:xfrm>
+            <a:off x="838200" y="4244087"/>
+            <a:ext cx="4309153" cy="2224274"/>
+          </a:xfrm>
+          <a:prstGeom prst="rect">
+            <a:avLst/>
+          </a:prstGeom>
+        </p:spPr>
+      </p:pic>
+    </p:spTree>
+    <p:extLst>
+      <p:ext uri="{BB962C8B-B14F-4D97-AF65-F5344CB8AC3E}">
+        <p14:creationId xmlns:p14="http://schemas.microsoft.com/office/powerpoint/2010/main" val="1596508415"/>
+      </p:ext>
+    </p:extLst>
+  </p:cSld>
+  <p:clrMapOvr>
+    <a:masterClrMapping/>
+  </p:clrMapOvr>
+</p:sld>
+</file>
+
+<file path=ppt/slides/slide17.xml><?xml version="1.0" encoding="utf-8"?>
+<p:sld xmlns:a="http://schemas.openxmlformats.org/drawingml/2006/main" xmlns:r="http://schemas.openxmlformats.org/officeDocument/2006/relationships" xmlns:p="http://schemas.openxmlformats.org/presentationml/2006/main">
+  <p:cSld>
+    <p:spTree>
+      <p:nvGrpSpPr>
+        <p:cNvPr id="1" name=""/>
+        <p:cNvGrpSpPr/>
+        <p:nvPr/>
+      </p:nvGrpSpPr>
+      <p:grpSpPr>
+        <a:xfrm>
+          <a:off x="0" y="0"/>
+          <a:ext cx="0" cy="0"/>
+          <a:chOff x="0" y="0"/>
+          <a:chExt cx="0" cy="0"/>
+        </a:xfrm>
+      </p:grpSpPr>
+      <p:sp>
+        <p:nvSpPr>
+          <p:cNvPr id="2" name="Title 1">
+            <a:extLst>
+              <a:ext uri="{FF2B5EF4-FFF2-40B4-BE49-F238E27FC236}">
+                <a16:creationId xmlns:a16="http://schemas.microsoft.com/office/drawing/2014/main" id="{5E03B4CE-FCC9-4EEA-9774-FC867EBDF7C4}"/>
+              </a:ext>
+            </a:extLst>
+          </p:cNvPr>
+          <p:cNvSpPr>
+            <a:spLocks noGrp="1"/>
+          </p:cNvSpPr>
+          <p:nvPr>
+            <p:ph type="title"/>
+          </p:nvPr>
+        </p:nvSpPr>
+        <p:spPr/>
+        <p:txBody>
+          <a:bodyPr/>
+          <a:lstStyle/>
+          <a:p>
+            <a:endParaRPr lang="en-US"/>
+          </a:p>
+        </p:txBody>
+      </p:sp>
+      <p:sp>
+        <p:nvSpPr>
+          <p:cNvPr id="3" name="Content Placeholder 2">
+            <a:extLst>
+              <a:ext uri="{FF2B5EF4-FFF2-40B4-BE49-F238E27FC236}">
+                <a16:creationId xmlns:a16="http://schemas.microsoft.com/office/drawing/2014/main" id="{14AE33A1-D001-4369-8EA1-1B13501B2470}"/>
+              </a:ext>
+            </a:extLst>
+          </p:cNvPr>
+          <p:cNvSpPr>
+            <a:spLocks noGrp="1"/>
+          </p:cNvSpPr>
+          <p:nvPr>
+            <p:ph idx="1"/>
+          </p:nvPr>
+        </p:nvSpPr>
+        <p:spPr/>
+        <p:txBody>
+          <a:bodyPr/>
+          <a:lstStyle/>
+          <a:p>
+            <a:endParaRPr lang="en-US"/>
+          </a:p>
+        </p:txBody>
+      </p:sp>
+    </p:spTree>
+    <p:extLst>
+      <p:ext uri="{BB962C8B-B14F-4D97-AF65-F5344CB8AC3E}">
+        <p14:creationId xmlns:p14="http://schemas.microsoft.com/office/powerpoint/2010/main" val="2614139050"/>
       </p:ext>
     </p:extLst>
   </p:cSld>
@@ -3496,7 +5163,95 @@
               <a:rPr lang="en-US" sz="3200" dirty="0">
                 <a:latin typeface="Comfortaa" panose="020F0603070000060003" pitchFamily="34" charset="0"/>
               </a:rPr>
-              <a:t>JavaScript has nothing to do with Java</a:t>
+              <a:t>JavaScript (JS) has </a:t>
+            </a:r>
+            <a:r>
+              <a:rPr lang="en-US" sz="3200" b="1" u="sng" dirty="0">
+                <a:latin typeface="Comfortaa" panose="020F0603070000060003" pitchFamily="34" charset="0"/>
+              </a:rPr>
+              <a:t>absolutely</a:t>
+            </a:r>
+            <a:r>
+              <a:rPr lang="en-US" sz="3200" dirty="0">
+                <a:latin typeface="Comfortaa" panose="020F0603070000060003" pitchFamily="34" charset="0"/>
+              </a:rPr>
+              <a:t> </a:t>
+            </a:r>
+            <a:r>
+              <a:rPr lang="en-US" sz="3200">
+                <a:latin typeface="Comfortaa" panose="020F0603070000060003" pitchFamily="34" charset="0"/>
+              </a:rPr>
+              <a:t>no relationship </a:t>
+            </a:r>
+            <a:r>
+              <a:rPr lang="en-US" sz="3200" dirty="0">
+                <a:latin typeface="Comfortaa" panose="020F0603070000060003" pitchFamily="34" charset="0"/>
+              </a:rPr>
+              <a:t>with Java</a:t>
+            </a:r>
+          </a:p>
+        </p:txBody>
+      </p:sp>
+      <p:pic>
+        <p:nvPicPr>
+          <p:cNvPr id="4" name="Picture 3">
+            <a:extLst>
+              <a:ext uri="{FF2B5EF4-FFF2-40B4-BE49-F238E27FC236}">
+                <a16:creationId xmlns:a16="http://schemas.microsoft.com/office/drawing/2014/main" id="{46E1851A-298F-4E97-B6CC-C1D17B07F753}"/>
+              </a:ext>
+            </a:extLst>
+          </p:cNvPr>
+          <p:cNvPicPr>
+            <a:picLocks noChangeAspect="1"/>
+          </p:cNvPicPr>
+          <p:nvPr/>
+        </p:nvPicPr>
+        <p:blipFill>
+          <a:blip r:embed="rId2"/>
+          <a:stretch>
+            <a:fillRect/>
+          </a:stretch>
+        </p:blipFill>
+        <p:spPr>
+          <a:xfrm>
+            <a:off x="1033462" y="3992562"/>
+            <a:ext cx="10353675" cy="1057275"/>
+          </a:xfrm>
+          <a:prstGeom prst="rect">
+            <a:avLst/>
+          </a:prstGeom>
+        </p:spPr>
+      </p:pic>
+      <p:sp>
+        <p:nvSpPr>
+          <p:cNvPr id="5" name="Rectangle 4">
+            <a:extLst>
+              <a:ext uri="{FF2B5EF4-FFF2-40B4-BE49-F238E27FC236}">
+                <a16:creationId xmlns:a16="http://schemas.microsoft.com/office/drawing/2014/main" id="{87C61CA4-A854-4495-810B-351A64A00DD9}"/>
+              </a:ext>
+            </a:extLst>
+          </p:cNvPr>
+          <p:cNvSpPr/>
+          <p:nvPr/>
+        </p:nvSpPr>
+        <p:spPr>
+          <a:xfrm>
+            <a:off x="1033462" y="5073133"/>
+            <a:ext cx="5880905" cy="369332"/>
+          </a:xfrm>
+          <a:prstGeom prst="rect">
+            <a:avLst/>
+          </a:prstGeom>
+        </p:spPr>
+        <p:txBody>
+          <a:bodyPr wrap="none">
+            <a:spAutoFit/>
+          </a:bodyPr>
+          <a:lstStyle/>
+          <a:p>
+            <a:r>
+              <a:rPr lang="en-US" dirty="0"/>
+              <a:t>https://www.java.com/en/download/faq/java_javascript.xml</a:t>
             </a:r>
           </a:p>
         </p:txBody>
@@ -3556,7 +5311,7 @@
               <a:rPr lang="en-US" dirty="0">
                 <a:latin typeface="Comfortaa" panose="020F0603070000060003" pitchFamily="34" charset="0"/>
               </a:rPr>
-              <a:t>Motivation</a:t>
+              <a:t>Motivation for JS</a:t>
             </a:r>
           </a:p>
         </p:txBody>
@@ -3602,7 +5357,7 @@
               <a:rPr lang="en-US" dirty="0">
                 <a:latin typeface="Comfortaa" panose="020F0603070000060003" pitchFamily="34" charset="0"/>
               </a:rPr>
-              <a:t>Don’t want to reload the page every time</a:t>
+              <a:t>Re-render the page every time new information is sent</a:t>
             </a:r>
           </a:p>
         </p:txBody>
@@ -3642,7 +5397,7 @@
           <p:cNvPr id="2" name="Title 1">
             <a:extLst>
               <a:ext uri="{FF2B5EF4-FFF2-40B4-BE49-F238E27FC236}">
-                <a16:creationId xmlns:a16="http://schemas.microsoft.com/office/drawing/2014/main" id="{717CD003-DA8B-4690-8893-C51507577286}"/>
+                <a16:creationId xmlns:a16="http://schemas.microsoft.com/office/drawing/2014/main" id="{3725E461-E671-46AB-B06D-F62FA26B9F48}"/>
               </a:ext>
             </a:extLst>
           </p:cNvPr>
@@ -3662,283 +5417,92 @@
               <a:rPr lang="en-US" dirty="0">
                 <a:latin typeface="Comfortaa" panose="020F0603070000060003" pitchFamily="34" charset="0"/>
               </a:rPr>
-              <a:t>Exercise 0</a:t>
-            </a:r>
-            <a:r>
-              <a:rPr lang="en-US">
-                <a:latin typeface="Comfortaa" panose="020F0603070000060003" pitchFamily="34" charset="0"/>
-              </a:rPr>
-              <a:t>: Overview</a:t>
-            </a:r>
+              <a:t>JS Overview</a:t>
+            </a:r>
+          </a:p>
+        </p:txBody>
+      </p:sp>
+      <p:sp>
+        <p:nvSpPr>
+          <p:cNvPr id="3" name="Content Placeholder 2">
+            <a:extLst>
+              <a:ext uri="{FF2B5EF4-FFF2-40B4-BE49-F238E27FC236}">
+                <a16:creationId xmlns:a16="http://schemas.microsoft.com/office/drawing/2014/main" id="{8ECA7513-0FD2-43B4-AC87-2CBBBB303532}"/>
+              </a:ext>
+            </a:extLst>
+          </p:cNvPr>
+          <p:cNvSpPr>
+            <a:spLocks noGrp="1"/>
+          </p:cNvSpPr>
+          <p:nvPr>
+            <p:ph idx="1"/>
+          </p:nvPr>
+        </p:nvSpPr>
+        <p:spPr>
+          <a:xfrm>
+            <a:off x="838200" y="1825625"/>
+            <a:ext cx="7591746" cy="4351338"/>
+          </a:xfrm>
+        </p:spPr>
+        <p:txBody>
+          <a:bodyPr/>
+          <a:lstStyle/>
+          <a:p>
+            <a:r>
+              <a:rPr lang="en-US" dirty="0">
+                <a:latin typeface="Comfortaa" panose="020F0603070000060003" pitchFamily="34" charset="0"/>
+              </a:rPr>
+              <a:t>JS is loaded with the page; if you change a function you need to reload the page</a:t>
+            </a:r>
+          </a:p>
+          <a:p>
+            <a:r>
+              <a:rPr lang="en-US" dirty="0">
+                <a:latin typeface="Comfortaa" panose="020F0603070000060003" pitchFamily="34" charset="0"/>
+              </a:rPr>
+              <a:t>JS is </a:t>
+            </a:r>
+            <a:r>
+              <a:rPr lang="en-US" dirty="0" err="1">
+                <a:latin typeface="Comfortaa" panose="020F0603070000060003" pitchFamily="34" charset="0"/>
+              </a:rPr>
+              <a:t>typeless</a:t>
+            </a:r>
+            <a:r>
+              <a:rPr lang="en-US" dirty="0">
+                <a:latin typeface="Comfortaa" panose="020F0603070000060003" pitchFamily="34" charset="0"/>
+              </a:rPr>
+              <a:t>, unlike C++ or Java</a:t>
+            </a:r>
+          </a:p>
+          <a:p>
+            <a:r>
+              <a:rPr lang="en-US" dirty="0">
+                <a:latin typeface="Comfortaa" panose="020F0603070000060003" pitchFamily="34" charset="0"/>
+              </a:rPr>
+              <a:t>Check out </a:t>
+            </a:r>
+            <a:r>
+              <a:rPr lang="en-US" dirty="0">
+                <a:latin typeface="Comfortaa" panose="020F0603070000060003" pitchFamily="34" charset="0"/>
+                <a:hlinkClick r:id="rId2"/>
+              </a:rPr>
+              <a:t>https://www.w3schools.com/js/default.asp</a:t>
+            </a:r>
+            <a:r>
+              <a:rPr lang="en-US" dirty="0">
+                <a:latin typeface="Comfortaa" panose="020F0603070000060003" pitchFamily="34" charset="0"/>
+              </a:rPr>
+              <a:t> for more information</a:t>
+            </a:r>
+          </a:p>
+          <a:p>
             <a:endParaRPr lang="en-US" dirty="0">
               <a:latin typeface="Comfortaa" panose="020F0603070000060003" pitchFamily="34" charset="0"/>
             </a:endParaRPr>
           </a:p>
-        </p:txBody>
-      </p:sp>
-      <p:sp>
-        <p:nvSpPr>
-          <p:cNvPr id="3" name="Content Placeholder 2">
-            <a:extLst>
-              <a:ext uri="{FF2B5EF4-FFF2-40B4-BE49-F238E27FC236}">
-                <a16:creationId xmlns:a16="http://schemas.microsoft.com/office/drawing/2014/main" id="{72858A7F-ACAE-40B9-963A-FF8D9B86556C}"/>
-              </a:ext>
-            </a:extLst>
-          </p:cNvPr>
-          <p:cNvSpPr>
-            <a:spLocks noGrp="1"/>
-          </p:cNvSpPr>
-          <p:nvPr>
-            <p:ph idx="1"/>
-          </p:nvPr>
-        </p:nvSpPr>
-        <p:spPr>
-          <a:xfrm>
-            <a:off x="5686746" y="1825625"/>
-            <a:ext cx="5667054" cy="4351338"/>
-          </a:xfrm>
-        </p:spPr>
-        <p:txBody>
-          <a:bodyPr>
-            <a:noAutofit/>
-          </a:bodyPr>
-          <a:lstStyle/>
-          <a:p>
-            <a:pPr marL="0" indent="0">
-              <a:buNone/>
-            </a:pPr>
-            <a:r>
-              <a:rPr lang="en-US" sz="1400" dirty="0">
-                <a:solidFill>
-                  <a:srgbClr val="FF0000"/>
-                </a:solidFill>
-              </a:rPr>
-              <a:t>&lt;h1&gt;Exercise 0: </a:t>
-            </a:r>
-            <a:r>
-              <a:rPr lang="en-US" sz="1400" dirty="0" err="1">
-                <a:solidFill>
-                  <a:srgbClr val="FF0000"/>
-                </a:solidFill>
-              </a:rPr>
-              <a:t>GreetBot</a:t>
-            </a:r>
-            <a:r>
-              <a:rPr lang="en-US" sz="1400" dirty="0">
-                <a:solidFill>
-                  <a:srgbClr val="FF0000"/>
-                </a:solidFill>
-              </a:rPr>
-              <a:t>&lt;/h1&gt;</a:t>
-            </a:r>
-          </a:p>
-          <a:p>
-            <a:pPr marL="0" indent="0">
-              <a:buNone/>
-            </a:pPr>
-            <a:r>
-              <a:rPr lang="en-US" sz="1400" dirty="0">
-                <a:solidFill>
-                  <a:schemeClr val="accent1"/>
-                </a:solidFill>
-              </a:rPr>
-              <a:t>&lt;p&gt;Please input your name below&lt;/p&gt;</a:t>
-            </a:r>
-          </a:p>
-          <a:p>
-            <a:pPr marL="0" indent="0">
-              <a:buNone/>
-            </a:pPr>
-            <a:r>
-              <a:rPr lang="en-US" sz="1400" dirty="0">
-                <a:solidFill>
-                  <a:srgbClr val="00B050"/>
-                </a:solidFill>
-              </a:rPr>
-              <a:t>&lt;input id="ex0_in" type="text" /&gt;</a:t>
-            </a:r>
-          </a:p>
-          <a:p>
-            <a:pPr marL="0" indent="0">
-              <a:buNone/>
-            </a:pPr>
-            <a:r>
-              <a:rPr lang="en-US" sz="1400" dirty="0">
-                <a:solidFill>
-                  <a:srgbClr val="00B050"/>
-                </a:solidFill>
-              </a:rPr>
-              <a:t>&lt;button </a:t>
-            </a:r>
-            <a:r>
-              <a:rPr lang="en-US" sz="1400" dirty="0" err="1">
-                <a:solidFill>
-                  <a:srgbClr val="00B050"/>
-                </a:solidFill>
-              </a:rPr>
-              <a:t>onclick</a:t>
-            </a:r>
-            <a:r>
-              <a:rPr lang="en-US" sz="1400" dirty="0">
-                <a:solidFill>
-                  <a:srgbClr val="00B050"/>
-                </a:solidFill>
-              </a:rPr>
-              <a:t>="ex0();"&gt;Submit&lt;/button&gt;&lt;</a:t>
-            </a:r>
-            <a:r>
-              <a:rPr lang="en-US" sz="1400" dirty="0" err="1">
-                <a:solidFill>
-                  <a:srgbClr val="00B050"/>
-                </a:solidFill>
-              </a:rPr>
-              <a:t>br</a:t>
-            </a:r>
-            <a:r>
-              <a:rPr lang="en-US" sz="1400" dirty="0">
-                <a:solidFill>
-                  <a:srgbClr val="00B050"/>
-                </a:solidFill>
-              </a:rPr>
-              <a:t> /&gt;</a:t>
-            </a:r>
-          </a:p>
-          <a:p>
-            <a:pPr marL="0" indent="0">
-              <a:buNone/>
-            </a:pPr>
-            <a:r>
-              <a:rPr lang="en-US" sz="1400" dirty="0">
-                <a:solidFill>
-                  <a:srgbClr val="7030A0"/>
-                </a:solidFill>
-              </a:rPr>
-              <a:t>&lt;p&gt;&lt;span id="ex0_out"&gt;[Greeting goes here]&lt;/span&gt;&lt;/p&gt;</a:t>
-            </a:r>
-          </a:p>
-          <a:p>
-            <a:pPr marL="0" indent="0">
-              <a:buNone/>
-            </a:pPr>
-            <a:r>
-              <a:rPr lang="en-US" sz="1400" dirty="0"/>
-              <a:t>&lt;script&gt;</a:t>
-            </a:r>
-          </a:p>
-          <a:p>
-            <a:pPr marL="457200" lvl="1" indent="0">
-              <a:buNone/>
-            </a:pPr>
-            <a:r>
-              <a:rPr lang="en-US" sz="1400" dirty="0"/>
-              <a:t>function ex0() {</a:t>
-            </a:r>
-          </a:p>
-          <a:p>
-            <a:pPr marL="914400" lvl="2" indent="0">
-              <a:buNone/>
-            </a:pPr>
-            <a:r>
-              <a:rPr lang="en-US" sz="1400" dirty="0"/>
-              <a:t>name = </a:t>
-            </a:r>
-            <a:r>
-              <a:rPr lang="en-US" sz="1400" dirty="0" err="1"/>
-              <a:t>document.getElementById</a:t>
-            </a:r>
-            <a:r>
-              <a:rPr lang="en-US" sz="1400" dirty="0"/>
-              <a:t>("ex0_in").value;</a:t>
-            </a:r>
-          </a:p>
-          <a:p>
-            <a:pPr marL="914400" lvl="2" indent="0">
-              <a:buNone/>
-            </a:pPr>
-            <a:r>
-              <a:rPr lang="en-US" sz="1400" dirty="0"/>
-              <a:t>if (</a:t>
-            </a:r>
-            <a:r>
-              <a:rPr lang="en-US" sz="1400" dirty="0" err="1"/>
-              <a:t>name.trim</a:t>
-            </a:r>
-            <a:r>
-              <a:rPr lang="en-US" sz="1400" dirty="0"/>
-              <a:t>() == "") {</a:t>
-            </a:r>
-          </a:p>
-          <a:p>
-            <a:pPr marL="1371600" lvl="3" indent="0">
-              <a:buNone/>
-            </a:pPr>
-            <a:r>
-              <a:rPr lang="en-US" sz="1400" dirty="0"/>
-              <a:t>alert("Please enter a valid name!");</a:t>
-            </a:r>
-          </a:p>
-          <a:p>
-            <a:pPr marL="1371600" lvl="3" indent="0">
-              <a:buNone/>
-            </a:pPr>
-            <a:r>
-              <a:rPr lang="en-US" sz="1400" dirty="0"/>
-              <a:t>return</a:t>
-            </a:r>
-          </a:p>
-          <a:p>
-            <a:pPr marL="457200" lvl="1" indent="0">
-              <a:buNone/>
-            </a:pPr>
-            <a:r>
-              <a:rPr lang="en-US" sz="1400" dirty="0"/>
-              <a:t>	}</a:t>
-            </a:r>
-          </a:p>
-          <a:p>
-            <a:pPr marL="914400" lvl="2" indent="0">
-              <a:buNone/>
-            </a:pPr>
-            <a:r>
-              <a:rPr lang="en-US" sz="1400" dirty="0" err="1"/>
-              <a:t>document.getElementById</a:t>
-            </a:r>
-            <a:r>
-              <a:rPr lang="en-US" sz="1400" dirty="0"/>
-              <a:t>("ex0_out").</a:t>
-            </a:r>
-            <a:r>
-              <a:rPr lang="en-US" sz="1400" dirty="0" err="1"/>
-              <a:t>innerHTML</a:t>
-            </a:r>
-            <a:r>
-              <a:rPr lang="en-US" sz="1400" dirty="0"/>
-              <a:t> = "Hello " + name + "!";</a:t>
-            </a:r>
-          </a:p>
-          <a:p>
-            <a:pPr marL="457200" lvl="1" indent="0">
-              <a:buNone/>
-            </a:pPr>
-            <a:r>
-              <a:rPr lang="en-US" sz="1400" dirty="0"/>
-              <a:t>}</a:t>
-            </a:r>
-          </a:p>
-          <a:p>
-            <a:pPr marL="0" indent="0">
-              <a:buNone/>
-            </a:pPr>
-            <a:r>
-              <a:rPr lang="en-US" sz="1400" dirty="0"/>
-              <a:t>&lt;/script&gt;</a:t>
-            </a:r>
-          </a:p>
-          <a:p>
-            <a:pPr marL="0" indent="0">
-              <a:buNone/>
-            </a:pPr>
-            <a:endParaRPr lang="en-US" sz="1400" dirty="0">
+          <a:p>
+            <a:endParaRPr lang="en-US" dirty="0">
               <a:latin typeface="Comfortaa" panose="020F0603070000060003" pitchFamily="34" charset="0"/>
             </a:endParaRPr>
           </a:p>
@@ -3949,7 +5513,7 @@
           <p:cNvPr id="5" name="Picture 4">
             <a:extLst>
               <a:ext uri="{FF2B5EF4-FFF2-40B4-BE49-F238E27FC236}">
-                <a16:creationId xmlns:a16="http://schemas.microsoft.com/office/drawing/2014/main" id="{4A5CB890-0D5A-4C90-B460-60C993F9B8EF}"/>
+                <a16:creationId xmlns:a16="http://schemas.microsoft.com/office/drawing/2014/main" id="{A473EF72-37C5-41BF-A35E-BADE36DF9B64}"/>
               </a:ext>
             </a:extLst>
           </p:cNvPr>
@@ -3959,15 +5523,15 @@
           <p:nvPr/>
         </p:nvPicPr>
         <p:blipFill>
-          <a:blip r:embed="rId2"/>
+          <a:blip r:embed="rId3"/>
           <a:stretch>
             <a:fillRect/>
           </a:stretch>
         </p:blipFill>
         <p:spPr>
           <a:xfrm>
-            <a:off x="635000" y="1825625"/>
-            <a:ext cx="4610100" cy="2590800"/>
+            <a:off x="8547457" y="2604553"/>
+            <a:ext cx="2247900" cy="981075"/>
           </a:xfrm>
           <a:prstGeom prst="rect">
             <a:avLst/>
@@ -3977,7 +5541,7 @@
     </p:spTree>
     <p:extLst>
       <p:ext uri="{BB962C8B-B14F-4D97-AF65-F5344CB8AC3E}">
-        <p14:creationId xmlns:p14="http://schemas.microsoft.com/office/powerpoint/2010/main" val="3917243500"/>
+        <p14:creationId xmlns:p14="http://schemas.microsoft.com/office/powerpoint/2010/main" val="3009272158"/>
       </p:ext>
     </p:extLst>
   </p:cSld>
@@ -4009,7 +5573,7 @@
           <p:cNvPr id="2" name="Title 1">
             <a:extLst>
               <a:ext uri="{FF2B5EF4-FFF2-40B4-BE49-F238E27FC236}">
-                <a16:creationId xmlns:a16="http://schemas.microsoft.com/office/drawing/2014/main" id="{717CD003-DA8B-4690-8893-C51507577286}"/>
+                <a16:creationId xmlns:a16="http://schemas.microsoft.com/office/drawing/2014/main" id="{3725E461-E671-46AB-B06D-F62FA26B9F48}"/>
               </a:ext>
             </a:extLst>
           </p:cNvPr>
@@ -4029,7 +5593,7 @@
               <a:rPr lang="en-US" dirty="0">
                 <a:latin typeface="Comfortaa" panose="020F0603070000060003" pitchFamily="34" charset="0"/>
               </a:rPr>
-              <a:t>Motivation</a:t>
+              <a:t>JS Overview: “Variable” types</a:t>
             </a:r>
           </a:p>
         </p:txBody>
@@ -4039,7 +5603,7 @@
           <p:cNvPr id="3" name="Content Placeholder 2">
             <a:extLst>
               <a:ext uri="{FF2B5EF4-FFF2-40B4-BE49-F238E27FC236}">
-                <a16:creationId xmlns:a16="http://schemas.microsoft.com/office/drawing/2014/main" id="{72858A7F-ACAE-40B9-963A-FF8D9B86556C}"/>
+                <a16:creationId xmlns:a16="http://schemas.microsoft.com/office/drawing/2014/main" id="{8ECA7513-0FD2-43B4-AC87-2CBBBB303532}"/>
               </a:ext>
             </a:extLst>
           </p:cNvPr>
@@ -4050,7 +5614,12 @@
             <p:ph idx="1"/>
           </p:nvPr>
         </p:nvSpPr>
-        <p:spPr/>
+        <p:spPr>
+          <a:xfrm>
+            <a:off x="838200" y="1825625"/>
+            <a:ext cx="7381126" cy="4351338"/>
+          </a:xfrm>
+        </p:spPr>
         <p:txBody>
           <a:bodyPr/>
           <a:lstStyle/>
@@ -4059,7 +5628,23 @@
               <a:rPr lang="en-US" dirty="0">
                 <a:latin typeface="Comfortaa" panose="020F0603070000060003" pitchFamily="34" charset="0"/>
               </a:rPr>
-              <a:t>Words</a:t>
+              <a:t>Variables</a:t>
+            </a:r>
+          </a:p>
+          <a:p>
+            <a:r>
+              <a:rPr lang="en-US" dirty="0">
+                <a:latin typeface="Comfortaa" panose="020F0603070000060003" pitchFamily="34" charset="0"/>
+              </a:rPr>
+              <a:t>Arrays – Similar concept to lists</a:t>
+            </a:r>
+          </a:p>
+          <a:p>
+            <a:r>
+              <a:rPr lang="en-US" dirty="0">
+                <a:latin typeface="Comfortaa" panose="020F0603070000060003" pitchFamily="34" charset="0"/>
+              </a:rPr>
+              <a:t>JSON Objects – have properties with specific names</a:t>
             </a:r>
           </a:p>
           <a:p>
@@ -4067,12 +5652,47 @@
               <a:latin typeface="Comfortaa" panose="020F0603070000060003" pitchFamily="34" charset="0"/>
             </a:endParaRPr>
           </a:p>
-        </p:txBody>
-      </p:sp>
+          <a:p>
+            <a:endParaRPr lang="en-US" dirty="0">
+              <a:latin typeface="Comfortaa" panose="020F0603070000060003" pitchFamily="34" charset="0"/>
+            </a:endParaRPr>
+          </a:p>
+        </p:txBody>
+      </p:sp>
+      <p:pic>
+        <p:nvPicPr>
+          <p:cNvPr id="5" name="Picture 4">
+            <a:extLst>
+              <a:ext uri="{FF2B5EF4-FFF2-40B4-BE49-F238E27FC236}">
+                <a16:creationId xmlns:a16="http://schemas.microsoft.com/office/drawing/2014/main" id="{A473EF72-37C5-41BF-A35E-BADE36DF9B64}"/>
+              </a:ext>
+            </a:extLst>
+          </p:cNvPr>
+          <p:cNvPicPr>
+            <a:picLocks noChangeAspect="1"/>
+          </p:cNvPicPr>
+          <p:nvPr/>
+        </p:nvPicPr>
+        <p:blipFill>
+          <a:blip r:embed="rId2"/>
+          <a:stretch>
+            <a:fillRect/>
+          </a:stretch>
+        </p:blipFill>
+        <p:spPr>
+          <a:xfrm>
+            <a:off x="8547457" y="2604553"/>
+            <a:ext cx="2247900" cy="981075"/>
+          </a:xfrm>
+          <a:prstGeom prst="rect">
+            <a:avLst/>
+          </a:prstGeom>
+        </p:spPr>
+      </p:pic>
     </p:spTree>
     <p:extLst>
       <p:ext uri="{BB962C8B-B14F-4D97-AF65-F5344CB8AC3E}">
-        <p14:creationId xmlns:p14="http://schemas.microsoft.com/office/powerpoint/2010/main" val="3759639718"/>
+        <p14:creationId xmlns:p14="http://schemas.microsoft.com/office/powerpoint/2010/main" val="1891714865"/>
       </p:ext>
     </p:extLst>
   </p:cSld>
@@ -4104,7 +5724,7 @@
           <p:cNvPr id="2" name="Title 1">
             <a:extLst>
               <a:ext uri="{FF2B5EF4-FFF2-40B4-BE49-F238E27FC236}">
-                <a16:creationId xmlns:a16="http://schemas.microsoft.com/office/drawing/2014/main" id="{717CD003-DA8B-4690-8893-C51507577286}"/>
+                <a16:creationId xmlns:a16="http://schemas.microsoft.com/office/drawing/2014/main" id="{3725E461-E671-46AB-B06D-F62FA26B9F48}"/>
               </a:ext>
             </a:extLst>
           </p:cNvPr>
@@ -4124,7 +5744,7 @@
               <a:rPr lang="en-US" dirty="0">
                 <a:latin typeface="Comfortaa" panose="020F0603070000060003" pitchFamily="34" charset="0"/>
               </a:rPr>
-              <a:t>Motivation</a:t>
+              <a:t>JS Overview: Operators</a:t>
             </a:r>
           </a:p>
         </p:txBody>
@@ -4134,7 +5754,7 @@
           <p:cNvPr id="3" name="Content Placeholder 2">
             <a:extLst>
               <a:ext uri="{FF2B5EF4-FFF2-40B4-BE49-F238E27FC236}">
-                <a16:creationId xmlns:a16="http://schemas.microsoft.com/office/drawing/2014/main" id="{72858A7F-ACAE-40B9-963A-FF8D9B86556C}"/>
+                <a16:creationId xmlns:a16="http://schemas.microsoft.com/office/drawing/2014/main" id="{8ECA7513-0FD2-43B4-AC87-2CBBBB303532}"/>
               </a:ext>
             </a:extLst>
           </p:cNvPr>
@@ -4154,7 +5774,31 @@
               <a:rPr lang="en-US" dirty="0">
                 <a:latin typeface="Comfortaa" panose="020F0603070000060003" pitchFamily="34" charset="0"/>
               </a:rPr>
-              <a:t>Words</a:t>
+              <a:t>Assignment operator (=) assigns values to variables</a:t>
+            </a:r>
+          </a:p>
+          <a:p>
+            <a:r>
+              <a:rPr lang="en-US" dirty="0">
+                <a:latin typeface="Comfortaa" panose="020F0603070000060003" pitchFamily="34" charset="0"/>
+              </a:rPr>
+              <a:t>Mathematical operators (+ - * / %) return numbers*</a:t>
+            </a:r>
+          </a:p>
+          <a:p>
+            <a:r>
+              <a:rPr lang="en-US" dirty="0">
+                <a:latin typeface="Comfortaa" panose="020F0603070000060003" pitchFamily="34" charset="0"/>
+              </a:rPr>
+              <a:t>Comparison operators (== &lt; &gt; &lt;= &gt;=) evaluate to true or false</a:t>
+            </a:r>
+          </a:p>
+          <a:p>
+            <a:r>
+              <a:rPr lang="en-US" dirty="0">
+                <a:latin typeface="Comfortaa" panose="020F0603070000060003" pitchFamily="34" charset="0"/>
+              </a:rPr>
+              <a:t>Logical operators (! &amp;&amp; ||) evaluate to true or false</a:t>
             </a:r>
           </a:p>
           <a:p>
@@ -4164,10 +5808,588 @@
           </a:p>
         </p:txBody>
       </p:sp>
+      <p:pic>
+        <p:nvPicPr>
+          <p:cNvPr id="4" name="Picture 3">
+            <a:extLst>
+              <a:ext uri="{FF2B5EF4-FFF2-40B4-BE49-F238E27FC236}">
+                <a16:creationId xmlns:a16="http://schemas.microsoft.com/office/drawing/2014/main" id="{B2843211-E490-4448-87E6-90D706EA948B}"/>
+              </a:ext>
+            </a:extLst>
+          </p:cNvPr>
+          <p:cNvPicPr>
+            <a:picLocks noChangeAspect="1"/>
+          </p:cNvPicPr>
+          <p:nvPr/>
+        </p:nvPicPr>
+        <p:blipFill>
+          <a:blip r:embed="rId2"/>
+          <a:stretch>
+            <a:fillRect/>
+          </a:stretch>
+        </p:blipFill>
+        <p:spPr>
+          <a:xfrm>
+            <a:off x="1593617" y="4125663"/>
+            <a:ext cx="2813996" cy="2144587"/>
+          </a:xfrm>
+          <a:prstGeom prst="rect">
+            <a:avLst/>
+          </a:prstGeom>
+        </p:spPr>
+      </p:pic>
+      <p:pic>
+        <p:nvPicPr>
+          <p:cNvPr id="6" name="Picture 5">
+            <a:extLst>
+              <a:ext uri="{FF2B5EF4-FFF2-40B4-BE49-F238E27FC236}">
+                <a16:creationId xmlns:a16="http://schemas.microsoft.com/office/drawing/2014/main" id="{2CFBD7BA-B618-41B4-820B-CEEAF1B50E24}"/>
+              </a:ext>
+            </a:extLst>
+          </p:cNvPr>
+          <p:cNvPicPr>
+            <a:picLocks noChangeAspect="1"/>
+          </p:cNvPicPr>
+          <p:nvPr/>
+        </p:nvPicPr>
+        <p:blipFill>
+          <a:blip r:embed="rId3"/>
+          <a:stretch>
+            <a:fillRect/>
+          </a:stretch>
+        </p:blipFill>
+        <p:spPr>
+          <a:xfrm>
+            <a:off x="6152775" y="4125663"/>
+            <a:ext cx="3417432" cy="1553378"/>
+          </a:xfrm>
+          <a:prstGeom prst="rect">
+            <a:avLst/>
+          </a:prstGeom>
+        </p:spPr>
+      </p:pic>
     </p:spTree>
     <p:extLst>
       <p:ext uri="{BB962C8B-B14F-4D97-AF65-F5344CB8AC3E}">
-        <p14:creationId xmlns:p14="http://schemas.microsoft.com/office/powerpoint/2010/main" val="3556330158"/>
+        <p14:creationId xmlns:p14="http://schemas.microsoft.com/office/powerpoint/2010/main" val="1583904694"/>
+      </p:ext>
+    </p:extLst>
+  </p:cSld>
+  <p:clrMapOvr>
+    <a:masterClrMapping/>
+  </p:clrMapOvr>
+</p:sld>
+</file>
+
+<file path=ppt/slides/slide7.xml><?xml version="1.0" encoding="utf-8"?>
+<p:sld xmlns:a="http://schemas.openxmlformats.org/drawingml/2006/main" xmlns:r="http://schemas.openxmlformats.org/officeDocument/2006/relationships" xmlns:p="http://schemas.openxmlformats.org/presentationml/2006/main">
+  <p:cSld>
+    <p:spTree>
+      <p:nvGrpSpPr>
+        <p:cNvPr id="1" name=""/>
+        <p:cNvGrpSpPr/>
+        <p:nvPr/>
+      </p:nvGrpSpPr>
+      <p:grpSpPr>
+        <a:xfrm>
+          <a:off x="0" y="0"/>
+          <a:ext cx="0" cy="0"/>
+          <a:chOff x="0" y="0"/>
+          <a:chExt cx="0" cy="0"/>
+        </a:xfrm>
+      </p:grpSpPr>
+      <p:sp>
+        <p:nvSpPr>
+          <p:cNvPr id="2" name="Title 1">
+            <a:extLst>
+              <a:ext uri="{FF2B5EF4-FFF2-40B4-BE49-F238E27FC236}">
+                <a16:creationId xmlns:a16="http://schemas.microsoft.com/office/drawing/2014/main" id="{3725E461-E671-46AB-B06D-F62FA26B9F48}"/>
+              </a:ext>
+            </a:extLst>
+          </p:cNvPr>
+          <p:cNvSpPr>
+            <a:spLocks noGrp="1"/>
+          </p:cNvSpPr>
+          <p:nvPr>
+            <p:ph type="title"/>
+          </p:nvPr>
+        </p:nvSpPr>
+        <p:spPr/>
+        <p:txBody>
+          <a:bodyPr/>
+          <a:lstStyle/>
+          <a:p>
+            <a:r>
+              <a:rPr lang="en-US" dirty="0">
+                <a:latin typeface="Comfortaa" panose="020F0603070000060003" pitchFamily="34" charset="0"/>
+              </a:rPr>
+              <a:t>JS Overview: if-else statements</a:t>
+            </a:r>
+          </a:p>
+        </p:txBody>
+      </p:sp>
+      <p:sp>
+        <p:nvSpPr>
+          <p:cNvPr id="3" name="Content Placeholder 2">
+            <a:extLst>
+              <a:ext uri="{FF2B5EF4-FFF2-40B4-BE49-F238E27FC236}">
+                <a16:creationId xmlns:a16="http://schemas.microsoft.com/office/drawing/2014/main" id="{8ECA7513-0FD2-43B4-AC87-2CBBBB303532}"/>
+              </a:ext>
+            </a:extLst>
+          </p:cNvPr>
+          <p:cNvSpPr>
+            <a:spLocks noGrp="1"/>
+          </p:cNvSpPr>
+          <p:nvPr>
+            <p:ph idx="1"/>
+          </p:nvPr>
+        </p:nvSpPr>
+        <p:spPr>
+          <a:xfrm>
+            <a:off x="6138808" y="1825625"/>
+            <a:ext cx="5214991" cy="4351338"/>
+          </a:xfrm>
+        </p:spPr>
+        <p:txBody>
+          <a:bodyPr/>
+          <a:lstStyle/>
+          <a:p>
+            <a:r>
+              <a:rPr lang="en-US" dirty="0">
+                <a:latin typeface="Comfortaa" panose="020F0603070000060003" pitchFamily="34" charset="0"/>
+              </a:rPr>
+              <a:t>Executes block of code when a condition is met</a:t>
+            </a:r>
+          </a:p>
+          <a:p>
+            <a:r>
+              <a:rPr lang="en-US" dirty="0">
+                <a:latin typeface="Comfortaa" panose="020F0603070000060003" pitchFamily="34" charset="0"/>
+              </a:rPr>
+              <a:t>Optional else block executes when condition is not met</a:t>
+            </a:r>
+          </a:p>
+          <a:p>
+            <a:r>
+              <a:rPr lang="en-US" dirty="0">
+                <a:latin typeface="Comfortaa" panose="020F0603070000060003" pitchFamily="34" charset="0"/>
+              </a:rPr>
+              <a:t>Can string multiple if-else blocks together to get logic to work </a:t>
+            </a:r>
+          </a:p>
+        </p:txBody>
+      </p:sp>
+      <p:pic>
+        <p:nvPicPr>
+          <p:cNvPr id="4" name="Picture 3">
+            <a:extLst>
+              <a:ext uri="{FF2B5EF4-FFF2-40B4-BE49-F238E27FC236}">
+                <a16:creationId xmlns:a16="http://schemas.microsoft.com/office/drawing/2014/main" id="{405FAD90-13EE-4D47-8CB1-064083C4C585}"/>
+              </a:ext>
+            </a:extLst>
+          </p:cNvPr>
+          <p:cNvPicPr>
+            <a:picLocks noChangeAspect="1"/>
+          </p:cNvPicPr>
+          <p:nvPr/>
+        </p:nvPicPr>
+        <p:blipFill>
+          <a:blip r:embed="rId2"/>
+          <a:stretch>
+            <a:fillRect/>
+          </a:stretch>
+        </p:blipFill>
+        <p:spPr>
+          <a:xfrm>
+            <a:off x="920688" y="1489373"/>
+            <a:ext cx="4057141" cy="2309638"/>
+          </a:xfrm>
+          <a:prstGeom prst="rect">
+            <a:avLst/>
+          </a:prstGeom>
+        </p:spPr>
+      </p:pic>
+      <p:pic>
+        <p:nvPicPr>
+          <p:cNvPr id="6" name="Picture 5">
+            <a:extLst>
+              <a:ext uri="{FF2B5EF4-FFF2-40B4-BE49-F238E27FC236}">
+                <a16:creationId xmlns:a16="http://schemas.microsoft.com/office/drawing/2014/main" id="{4E27DD0E-64AA-49DD-B5EE-25F35BC7F3E0}"/>
+              </a:ext>
+            </a:extLst>
+          </p:cNvPr>
+          <p:cNvPicPr>
+            <a:picLocks noChangeAspect="1"/>
+          </p:cNvPicPr>
+          <p:nvPr/>
+        </p:nvPicPr>
+        <p:blipFill>
+          <a:blip r:embed="rId3"/>
+          <a:stretch>
+            <a:fillRect/>
+          </a:stretch>
+        </p:blipFill>
+        <p:spPr>
+          <a:xfrm>
+            <a:off x="920688" y="4001294"/>
+            <a:ext cx="4057141" cy="2478679"/>
+          </a:xfrm>
+          <a:prstGeom prst="rect">
+            <a:avLst/>
+          </a:prstGeom>
+        </p:spPr>
+      </p:pic>
+    </p:spTree>
+    <p:extLst>
+      <p:ext uri="{BB962C8B-B14F-4D97-AF65-F5344CB8AC3E}">
+        <p14:creationId xmlns:p14="http://schemas.microsoft.com/office/powerpoint/2010/main" val="1401212763"/>
+      </p:ext>
+    </p:extLst>
+  </p:cSld>
+  <p:clrMapOvr>
+    <a:masterClrMapping/>
+  </p:clrMapOvr>
+</p:sld>
+</file>
+
+<file path=ppt/slides/slide8.xml><?xml version="1.0" encoding="utf-8"?>
+<p:sld xmlns:a="http://schemas.openxmlformats.org/drawingml/2006/main" xmlns:r="http://schemas.openxmlformats.org/officeDocument/2006/relationships" xmlns:p="http://schemas.openxmlformats.org/presentationml/2006/main">
+  <p:cSld>
+    <p:spTree>
+      <p:nvGrpSpPr>
+        <p:cNvPr id="1" name=""/>
+        <p:cNvGrpSpPr/>
+        <p:nvPr/>
+      </p:nvGrpSpPr>
+      <p:grpSpPr>
+        <a:xfrm>
+          <a:off x="0" y="0"/>
+          <a:ext cx="0" cy="0"/>
+          <a:chOff x="0" y="0"/>
+          <a:chExt cx="0" cy="0"/>
+        </a:xfrm>
+      </p:grpSpPr>
+      <p:sp>
+        <p:nvSpPr>
+          <p:cNvPr id="2" name="Title 1">
+            <a:extLst>
+              <a:ext uri="{FF2B5EF4-FFF2-40B4-BE49-F238E27FC236}">
+                <a16:creationId xmlns:a16="http://schemas.microsoft.com/office/drawing/2014/main" id="{3725E461-E671-46AB-B06D-F62FA26B9F48}"/>
+              </a:ext>
+            </a:extLst>
+          </p:cNvPr>
+          <p:cNvSpPr>
+            <a:spLocks noGrp="1"/>
+          </p:cNvSpPr>
+          <p:nvPr>
+            <p:ph type="title"/>
+          </p:nvPr>
+        </p:nvSpPr>
+        <p:spPr/>
+        <p:txBody>
+          <a:bodyPr/>
+          <a:lstStyle/>
+          <a:p>
+            <a:r>
+              <a:rPr lang="en-US" dirty="0">
+                <a:latin typeface="Comfortaa" panose="020F0603070000060003" pitchFamily="34" charset="0"/>
+              </a:rPr>
+              <a:t>JS Overview: for loops</a:t>
+            </a:r>
+          </a:p>
+        </p:txBody>
+      </p:sp>
+      <p:sp>
+        <p:nvSpPr>
+          <p:cNvPr id="3" name="Content Placeholder 2">
+            <a:extLst>
+              <a:ext uri="{FF2B5EF4-FFF2-40B4-BE49-F238E27FC236}">
+                <a16:creationId xmlns:a16="http://schemas.microsoft.com/office/drawing/2014/main" id="{8ECA7513-0FD2-43B4-AC87-2CBBBB303532}"/>
+              </a:ext>
+            </a:extLst>
+          </p:cNvPr>
+          <p:cNvSpPr>
+            <a:spLocks noGrp="1"/>
+          </p:cNvSpPr>
+          <p:nvPr>
+            <p:ph idx="1"/>
+          </p:nvPr>
+        </p:nvSpPr>
+        <p:spPr>
+          <a:xfrm>
+            <a:off x="5532634" y="1825625"/>
+            <a:ext cx="5821166" cy="4351338"/>
+          </a:xfrm>
+        </p:spPr>
+        <p:txBody>
+          <a:bodyPr/>
+          <a:lstStyle/>
+          <a:p>
+            <a:r>
+              <a:rPr lang="en-US" dirty="0">
+                <a:latin typeface="Comfortaa" panose="020F0603070000060003" pitchFamily="34" charset="0"/>
+              </a:rPr>
+              <a:t>Execute some code repetitively</a:t>
+            </a:r>
+          </a:p>
+          <a:p>
+            <a:r>
+              <a:rPr lang="en-US" dirty="0">
+                <a:latin typeface="Comfortaa" panose="020F0603070000060003" pitchFamily="34" charset="0"/>
+              </a:rPr>
+              <a:t>Execute some code for each element in an array</a:t>
+            </a:r>
+          </a:p>
+          <a:p>
+            <a:r>
+              <a:rPr lang="en-US" dirty="0">
+                <a:latin typeface="Comfortaa" panose="020F0603070000060003" pitchFamily="34" charset="0"/>
+              </a:rPr>
+              <a:t>Should be used when you know how many times you want code to be run</a:t>
+            </a:r>
+          </a:p>
+        </p:txBody>
+      </p:sp>
+      <p:pic>
+        <p:nvPicPr>
+          <p:cNvPr id="4" name="Picture 3">
+            <a:extLst>
+              <a:ext uri="{FF2B5EF4-FFF2-40B4-BE49-F238E27FC236}">
+                <a16:creationId xmlns:a16="http://schemas.microsoft.com/office/drawing/2014/main" id="{7CAB7A9D-C514-48CC-A1AA-1AD4F17A1313}"/>
+              </a:ext>
+            </a:extLst>
+          </p:cNvPr>
+          <p:cNvPicPr>
+            <a:picLocks noChangeAspect="1"/>
+          </p:cNvPicPr>
+          <p:nvPr/>
+        </p:nvPicPr>
+        <p:blipFill>
+          <a:blip r:embed="rId2"/>
+          <a:stretch>
+            <a:fillRect/>
+          </a:stretch>
+        </p:blipFill>
+        <p:spPr>
+          <a:xfrm>
+            <a:off x="838200" y="1825625"/>
+            <a:ext cx="3445443" cy="1600806"/>
+          </a:xfrm>
+          <a:prstGeom prst="rect">
+            <a:avLst/>
+          </a:prstGeom>
+        </p:spPr>
+      </p:pic>
+      <p:pic>
+        <p:nvPicPr>
+          <p:cNvPr id="7" name="Picture 6">
+            <a:extLst>
+              <a:ext uri="{FF2B5EF4-FFF2-40B4-BE49-F238E27FC236}">
+                <a16:creationId xmlns:a16="http://schemas.microsoft.com/office/drawing/2014/main" id="{D56BF7E8-47F3-4F60-B75B-0109C7326A9D}"/>
+              </a:ext>
+            </a:extLst>
+          </p:cNvPr>
+          <p:cNvPicPr>
+            <a:picLocks noChangeAspect="1"/>
+          </p:cNvPicPr>
+          <p:nvPr/>
+        </p:nvPicPr>
+        <p:blipFill>
+          <a:blip r:embed="rId3"/>
+          <a:stretch>
+            <a:fillRect/>
+          </a:stretch>
+        </p:blipFill>
+        <p:spPr>
+          <a:xfrm>
+            <a:off x="838200" y="3651446"/>
+            <a:ext cx="3476625" cy="2390775"/>
+          </a:xfrm>
+          <a:prstGeom prst="rect">
+            <a:avLst/>
+          </a:prstGeom>
+        </p:spPr>
+      </p:pic>
+    </p:spTree>
+    <p:extLst>
+      <p:ext uri="{BB962C8B-B14F-4D97-AF65-F5344CB8AC3E}">
+        <p14:creationId xmlns:p14="http://schemas.microsoft.com/office/powerpoint/2010/main" val="4013654184"/>
+      </p:ext>
+    </p:extLst>
+  </p:cSld>
+  <p:clrMapOvr>
+    <a:masterClrMapping/>
+  </p:clrMapOvr>
+</p:sld>
+</file>
+
+<file path=ppt/slides/slide9.xml><?xml version="1.0" encoding="utf-8"?>
+<p:sld xmlns:a="http://schemas.openxmlformats.org/drawingml/2006/main" xmlns:r="http://schemas.openxmlformats.org/officeDocument/2006/relationships" xmlns:p="http://schemas.openxmlformats.org/presentationml/2006/main">
+  <p:cSld>
+    <p:spTree>
+      <p:nvGrpSpPr>
+        <p:cNvPr id="1" name=""/>
+        <p:cNvGrpSpPr/>
+        <p:nvPr/>
+      </p:nvGrpSpPr>
+      <p:grpSpPr>
+        <a:xfrm>
+          <a:off x="0" y="0"/>
+          <a:ext cx="0" cy="0"/>
+          <a:chOff x="0" y="0"/>
+          <a:chExt cx="0" cy="0"/>
+        </a:xfrm>
+      </p:grpSpPr>
+      <p:sp>
+        <p:nvSpPr>
+          <p:cNvPr id="2" name="Title 1">
+            <a:extLst>
+              <a:ext uri="{FF2B5EF4-FFF2-40B4-BE49-F238E27FC236}">
+                <a16:creationId xmlns:a16="http://schemas.microsoft.com/office/drawing/2014/main" id="{3725E461-E671-46AB-B06D-F62FA26B9F48}"/>
+              </a:ext>
+            </a:extLst>
+          </p:cNvPr>
+          <p:cNvSpPr>
+            <a:spLocks noGrp="1"/>
+          </p:cNvSpPr>
+          <p:nvPr>
+            <p:ph type="title"/>
+          </p:nvPr>
+        </p:nvSpPr>
+        <p:spPr/>
+        <p:txBody>
+          <a:bodyPr/>
+          <a:lstStyle/>
+          <a:p>
+            <a:r>
+              <a:rPr lang="en-US" dirty="0">
+                <a:latin typeface="Comfortaa" panose="020F0603070000060003" pitchFamily="34" charset="0"/>
+              </a:rPr>
+              <a:t>JS Overview: while loops</a:t>
+            </a:r>
+          </a:p>
+        </p:txBody>
+      </p:sp>
+      <p:sp>
+        <p:nvSpPr>
+          <p:cNvPr id="3" name="Content Placeholder 2">
+            <a:extLst>
+              <a:ext uri="{FF2B5EF4-FFF2-40B4-BE49-F238E27FC236}">
+                <a16:creationId xmlns:a16="http://schemas.microsoft.com/office/drawing/2014/main" id="{8ECA7513-0FD2-43B4-AC87-2CBBBB303532}"/>
+              </a:ext>
+            </a:extLst>
+          </p:cNvPr>
+          <p:cNvSpPr>
+            <a:spLocks noGrp="1"/>
+          </p:cNvSpPr>
+          <p:nvPr>
+            <p:ph idx="1"/>
+          </p:nvPr>
+        </p:nvSpPr>
+        <p:spPr>
+          <a:xfrm>
+            <a:off x="5532634" y="1825625"/>
+            <a:ext cx="5821166" cy="4351338"/>
+          </a:xfrm>
+        </p:spPr>
+        <p:txBody>
+          <a:bodyPr/>
+          <a:lstStyle/>
+          <a:p>
+            <a:r>
+              <a:rPr lang="en-US" dirty="0">
+                <a:latin typeface="Comfortaa" panose="020F0603070000060003" pitchFamily="34" charset="0"/>
+              </a:rPr>
+              <a:t>Execute code until some condition is not met</a:t>
+            </a:r>
+          </a:p>
+          <a:p>
+            <a:r>
+              <a:rPr lang="en-US" dirty="0">
+                <a:latin typeface="Comfortaa" panose="020F0603070000060003" pitchFamily="34" charset="0"/>
+              </a:rPr>
+              <a:t>Useful when unsure when you’d need to stop</a:t>
+            </a:r>
+          </a:p>
+          <a:p>
+            <a:r>
+              <a:rPr lang="en-US" dirty="0">
+                <a:latin typeface="Comfortaa" panose="020F0603070000060003" pitchFamily="34" charset="0"/>
+              </a:rPr>
+              <a:t>Make SURE condition can be false</a:t>
+            </a:r>
+          </a:p>
+          <a:p>
+            <a:endParaRPr lang="en-US" dirty="0">
+              <a:latin typeface="Comfortaa" panose="020F0603070000060003" pitchFamily="34" charset="0"/>
+            </a:endParaRPr>
+          </a:p>
+        </p:txBody>
+      </p:sp>
+      <p:pic>
+        <p:nvPicPr>
+          <p:cNvPr id="5" name="Picture 4">
+            <a:extLst>
+              <a:ext uri="{FF2B5EF4-FFF2-40B4-BE49-F238E27FC236}">
+                <a16:creationId xmlns:a16="http://schemas.microsoft.com/office/drawing/2014/main" id="{50A5CEDC-E3D4-4F81-8BD0-B7873E4FC826}"/>
+              </a:ext>
+            </a:extLst>
+          </p:cNvPr>
+          <p:cNvPicPr>
+            <a:picLocks noChangeAspect="1"/>
+          </p:cNvPicPr>
+          <p:nvPr/>
+        </p:nvPicPr>
+        <p:blipFill>
+          <a:blip r:embed="rId2"/>
+          <a:stretch>
+            <a:fillRect/>
+          </a:stretch>
+        </p:blipFill>
+        <p:spPr>
+          <a:xfrm>
+            <a:off x="838200" y="1804291"/>
+            <a:ext cx="3312560" cy="1230379"/>
+          </a:xfrm>
+          <a:prstGeom prst="rect">
+            <a:avLst/>
+          </a:prstGeom>
+        </p:spPr>
+      </p:pic>
+      <p:pic>
+        <p:nvPicPr>
+          <p:cNvPr id="8" name="Picture 7">
+            <a:extLst>
+              <a:ext uri="{FF2B5EF4-FFF2-40B4-BE49-F238E27FC236}">
+                <a16:creationId xmlns:a16="http://schemas.microsoft.com/office/drawing/2014/main" id="{95EA8A20-A775-4C36-8F1C-7B48C54AD831}"/>
+              </a:ext>
+            </a:extLst>
+          </p:cNvPr>
+          <p:cNvPicPr>
+            <a:picLocks noChangeAspect="1"/>
+          </p:cNvPicPr>
+          <p:nvPr/>
+        </p:nvPicPr>
+        <p:blipFill>
+          <a:blip r:embed="rId3"/>
+          <a:stretch>
+            <a:fillRect/>
+          </a:stretch>
+        </p:blipFill>
+        <p:spPr>
+          <a:xfrm>
+            <a:off x="838200" y="3579633"/>
+            <a:ext cx="4425201" cy="1932452"/>
+          </a:xfrm>
+          <a:prstGeom prst="rect">
+            <a:avLst/>
+          </a:prstGeom>
+        </p:spPr>
+      </p:pic>
+    </p:spTree>
+    <p:extLst>
+      <p:ext uri="{BB962C8B-B14F-4D97-AF65-F5344CB8AC3E}">
+        <p14:creationId xmlns:p14="http://schemas.microsoft.com/office/powerpoint/2010/main" val="787511669"/>
       </p:ext>
     </p:extLst>
   </p:cSld>
